--- a/scripts/flowchart_scripts.pptx
+++ b/scripts/flowchart_scripts.pptx
@@ -247,7 +247,7 @@
           <a:p>
             <a:fld id="{F061670A-77DF-43D8-9A1C-6CBADEEB7971}" type="datetimeFigureOut">
               <a:rPr lang="en-US" smtClean="0"/>
-              <a:t>6/1/2023</a:t>
+              <a:t>6/5/2023</a:t>
             </a:fld>
             <a:endParaRPr lang="en-US"/>
           </a:p>
@@ -417,7 +417,7 @@
           <a:p>
             <a:fld id="{F061670A-77DF-43D8-9A1C-6CBADEEB7971}" type="datetimeFigureOut">
               <a:rPr lang="en-US" smtClean="0"/>
-              <a:t>6/1/2023</a:t>
+              <a:t>6/5/2023</a:t>
             </a:fld>
             <a:endParaRPr lang="en-US"/>
           </a:p>
@@ -597,7 +597,7 @@
           <a:p>
             <a:fld id="{F061670A-77DF-43D8-9A1C-6CBADEEB7971}" type="datetimeFigureOut">
               <a:rPr lang="en-US" smtClean="0"/>
-              <a:t>6/1/2023</a:t>
+              <a:t>6/5/2023</a:t>
             </a:fld>
             <a:endParaRPr lang="en-US"/>
           </a:p>
@@ -767,7 +767,7 @@
           <a:p>
             <a:fld id="{F061670A-77DF-43D8-9A1C-6CBADEEB7971}" type="datetimeFigureOut">
               <a:rPr lang="en-US" smtClean="0"/>
-              <a:t>6/1/2023</a:t>
+              <a:t>6/5/2023</a:t>
             </a:fld>
             <a:endParaRPr lang="en-US"/>
           </a:p>
@@ -1011,7 +1011,7 @@
           <a:p>
             <a:fld id="{F061670A-77DF-43D8-9A1C-6CBADEEB7971}" type="datetimeFigureOut">
               <a:rPr lang="en-US" smtClean="0"/>
-              <a:t>6/1/2023</a:t>
+              <a:t>6/5/2023</a:t>
             </a:fld>
             <a:endParaRPr lang="en-US"/>
           </a:p>
@@ -1243,7 +1243,7 @@
           <a:p>
             <a:fld id="{F061670A-77DF-43D8-9A1C-6CBADEEB7971}" type="datetimeFigureOut">
               <a:rPr lang="en-US" smtClean="0"/>
-              <a:t>6/1/2023</a:t>
+              <a:t>6/5/2023</a:t>
             </a:fld>
             <a:endParaRPr lang="en-US"/>
           </a:p>
@@ -1610,7 +1610,7 @@
           <a:p>
             <a:fld id="{F061670A-77DF-43D8-9A1C-6CBADEEB7971}" type="datetimeFigureOut">
               <a:rPr lang="en-US" smtClean="0"/>
-              <a:t>6/1/2023</a:t>
+              <a:t>6/5/2023</a:t>
             </a:fld>
             <a:endParaRPr lang="en-US"/>
           </a:p>
@@ -1728,7 +1728,7 @@
           <a:p>
             <a:fld id="{F061670A-77DF-43D8-9A1C-6CBADEEB7971}" type="datetimeFigureOut">
               <a:rPr lang="en-US" smtClean="0"/>
-              <a:t>6/1/2023</a:t>
+              <a:t>6/5/2023</a:t>
             </a:fld>
             <a:endParaRPr lang="en-US"/>
           </a:p>
@@ -1823,7 +1823,7 @@
           <a:p>
             <a:fld id="{F061670A-77DF-43D8-9A1C-6CBADEEB7971}" type="datetimeFigureOut">
               <a:rPr lang="en-US" smtClean="0"/>
-              <a:t>6/1/2023</a:t>
+              <a:t>6/5/2023</a:t>
             </a:fld>
             <a:endParaRPr lang="en-US"/>
           </a:p>
@@ -2100,7 +2100,7 @@
           <a:p>
             <a:fld id="{F061670A-77DF-43D8-9A1C-6CBADEEB7971}" type="datetimeFigureOut">
               <a:rPr lang="en-US" smtClean="0"/>
-              <a:t>6/1/2023</a:t>
+              <a:t>6/5/2023</a:t>
             </a:fld>
             <a:endParaRPr lang="en-US"/>
           </a:p>
@@ -2357,7 +2357,7 @@
           <a:p>
             <a:fld id="{F061670A-77DF-43D8-9A1C-6CBADEEB7971}" type="datetimeFigureOut">
               <a:rPr lang="en-US" smtClean="0"/>
-              <a:t>6/1/2023</a:t>
+              <a:t>6/5/2023</a:t>
             </a:fld>
             <a:endParaRPr lang="en-US"/>
           </a:p>
@@ -2570,7 +2570,7 @@
           <a:p>
             <a:fld id="{F061670A-77DF-43D8-9A1C-6CBADEEB7971}" type="datetimeFigureOut">
               <a:rPr lang="en-US" smtClean="0"/>
-              <a:t>6/1/2023</a:t>
+              <a:t>6/5/2023</a:t>
             </a:fld>
             <a:endParaRPr lang="en-US"/>
           </a:p>
@@ -4034,7 +4034,7 @@
         </p:nvSpPr>
         <p:spPr>
           <a:xfrm>
-            <a:off x="3282950" y="9121035"/>
+            <a:off x="3282950" y="9165510"/>
             <a:ext cx="1828800" cy="457200"/>
           </a:xfrm>
           <a:prstGeom prst="roundRect">
@@ -4084,7 +4084,7 @@
         </p:nvSpPr>
         <p:spPr>
           <a:xfrm>
-            <a:off x="3282950" y="4210934"/>
+            <a:off x="3282950" y="4344757"/>
             <a:ext cx="1828800" cy="457200"/>
           </a:xfrm>
           <a:prstGeom prst="roundRect">
@@ -4134,7 +4134,7 @@
         </p:nvSpPr>
         <p:spPr>
           <a:xfrm>
-            <a:off x="3282950" y="1308100"/>
+            <a:off x="3282950" y="1501487"/>
             <a:ext cx="1828800" cy="457200"/>
           </a:xfrm>
           <a:prstGeom prst="roundRect">
@@ -4234,7 +4234,7 @@
         </p:nvSpPr>
         <p:spPr>
           <a:xfrm>
-            <a:off x="3282950" y="2759517"/>
+            <a:off x="3282950" y="2923122"/>
             <a:ext cx="1828800" cy="457200"/>
           </a:xfrm>
           <a:prstGeom prst="roundRect">
@@ -4284,7 +4284,7 @@
         </p:nvSpPr>
         <p:spPr>
           <a:xfrm>
-            <a:off x="3251200" y="5662351"/>
+            <a:off x="3251200" y="5766392"/>
             <a:ext cx="1892300" cy="822602"/>
           </a:xfrm>
           <a:prstGeom prst="roundRect">
@@ -4334,7 +4334,7 @@
         </p:nvSpPr>
         <p:spPr>
           <a:xfrm>
-            <a:off x="3282950" y="7479170"/>
+            <a:off x="3282950" y="7553429"/>
             <a:ext cx="1828800" cy="647646"/>
           </a:xfrm>
           <a:prstGeom prst="roundRect">
@@ -4384,7 +4384,7 @@
         </p:nvSpPr>
         <p:spPr>
           <a:xfrm>
-            <a:off x="57150" y="1260693"/>
+            <a:off x="25400" y="1367745"/>
             <a:ext cx="3225800" cy="228600"/>
           </a:xfrm>
           <a:prstGeom prst="roundRect">
@@ -4441,7 +4441,7 @@
         </p:nvSpPr>
         <p:spPr>
           <a:xfrm>
-            <a:off x="57150" y="1658729"/>
+            <a:off x="25400" y="1765781"/>
             <a:ext cx="3225800" cy="228600"/>
           </a:xfrm>
           <a:prstGeom prst="roundRect">
@@ -4490,7 +4490,7 @@
         </p:nvSpPr>
         <p:spPr>
           <a:xfrm>
-            <a:off x="57150" y="2046705"/>
+            <a:off x="25400" y="2153757"/>
             <a:ext cx="3225800" cy="228600"/>
           </a:xfrm>
           <a:prstGeom prst="roundRect">
@@ -4539,7 +4539,7 @@
         </p:nvSpPr>
         <p:spPr>
           <a:xfrm>
-            <a:off x="57150" y="2523188"/>
+            <a:off x="25400" y="2427433"/>
             <a:ext cx="3225800" cy="228600"/>
           </a:xfrm>
           <a:prstGeom prst="roundRect">
@@ -4588,8 +4588,8 @@
         </p:nvSpPr>
         <p:spPr>
           <a:xfrm>
-            <a:off x="33222" y="1005403"/>
-            <a:ext cx="7705956" cy="461665"/>
+            <a:off x="3643352" y="1087352"/>
+            <a:ext cx="1107996" cy="461665"/>
           </a:xfrm>
           <a:prstGeom prst="rect">
             <a:avLst/>
@@ -4604,7 +4604,7 @@
           <a:p>
             <a:r>
               <a:rPr lang="en-US" sz="2400" dirty="0"/>
-              <a:t>INPUT						SCRIPT						OUTPUT</a:t>
+              <a:t>SCRIPT	</a:t>
             </a:r>
           </a:p>
         </p:txBody>
@@ -4664,6 +4664,76 @@
               <a:t>data_*)</a:t>
             </a:r>
             <a:endParaRPr lang="en-US" dirty="0"/>
+          </a:p>
+        </p:txBody>
+      </p:sp>
+      <p:sp>
+        <p:nvSpPr>
+          <p:cNvPr id="4" name="TextBox 3">
+            <a:extLst>
+              <a:ext uri="{FF2B5EF4-FFF2-40B4-BE49-F238E27FC236}">
+                <a16:creationId xmlns:a16="http://schemas.microsoft.com/office/drawing/2014/main" id="{0109E3E0-7269-924F-A5B5-C68C5B80EBE6}"/>
+              </a:ext>
+            </a:extLst>
+          </p:cNvPr>
+          <p:cNvSpPr txBox="1"/>
+          <p:nvPr/>
+        </p:nvSpPr>
+        <p:spPr>
+          <a:xfrm>
+            <a:off x="6017072" y="1058392"/>
+            <a:ext cx="1242648" cy="461665"/>
+          </a:xfrm>
+          <a:prstGeom prst="rect">
+            <a:avLst/>
+          </a:prstGeom>
+          <a:noFill/>
+        </p:spPr>
+        <p:txBody>
+          <a:bodyPr wrap="none" rtlCol="0">
+            <a:spAutoFit/>
+          </a:bodyPr>
+          <a:lstStyle/>
+          <a:p>
+            <a:r>
+              <a:rPr lang="en-US" sz="2400" dirty="0"/>
+              <a:t>OUTPUT</a:t>
+            </a:r>
+          </a:p>
+        </p:txBody>
+      </p:sp>
+      <p:sp>
+        <p:nvSpPr>
+          <p:cNvPr id="5" name="TextBox 4">
+            <a:extLst>
+              <a:ext uri="{FF2B5EF4-FFF2-40B4-BE49-F238E27FC236}">
+                <a16:creationId xmlns:a16="http://schemas.microsoft.com/office/drawing/2014/main" id="{3C7693B8-B001-51BA-D2C7-85B261581FC5}"/>
+              </a:ext>
+            </a:extLst>
+          </p:cNvPr>
+          <p:cNvSpPr txBox="1"/>
+          <p:nvPr/>
+        </p:nvSpPr>
+        <p:spPr>
+          <a:xfrm>
+            <a:off x="338022" y="1310203"/>
+            <a:ext cx="1107996" cy="461665"/>
+          </a:xfrm>
+          <a:prstGeom prst="rect">
+            <a:avLst/>
+          </a:prstGeom>
+          <a:noFill/>
+        </p:spPr>
+        <p:txBody>
+          <a:bodyPr wrap="none" rtlCol="0">
+            <a:spAutoFit/>
+          </a:bodyPr>
+          <a:lstStyle/>
+          <a:p>
+            <a:r>
+              <a:rPr lang="en-US" sz="2400" dirty="0"/>
+              <a:t>INPUT	</a:t>
+            </a:r>
           </a:p>
         </p:txBody>
       </p:sp>

--- a/scripts/flowchart_scripts.pptx
+++ b/scripts/flowchart_scripts.pptx
@@ -4384,7 +4384,7 @@
         </p:nvSpPr>
         <p:spPr>
           <a:xfrm>
-            <a:off x="25400" y="1367745"/>
+            <a:off x="16704" y="1501487"/>
             <a:ext cx="3225800" cy="228600"/>
           </a:xfrm>
           <a:prstGeom prst="roundRect">
@@ -4441,7 +4441,7 @@
         </p:nvSpPr>
         <p:spPr>
           <a:xfrm>
-            <a:off x="25400" y="1765781"/>
+            <a:off x="16704" y="1854716"/>
             <a:ext cx="3225800" cy="228600"/>
           </a:xfrm>
           <a:prstGeom prst="roundRect">
@@ -4490,7 +4490,7 @@
         </p:nvSpPr>
         <p:spPr>
           <a:xfrm>
-            <a:off x="25400" y="2153757"/>
+            <a:off x="16704" y="2207945"/>
             <a:ext cx="3225800" cy="228600"/>
           </a:xfrm>
           <a:prstGeom prst="roundRect">
@@ -4539,7 +4539,7 @@
         </p:nvSpPr>
         <p:spPr>
           <a:xfrm>
-            <a:off x="25400" y="2427433"/>
+            <a:off x="16704" y="2561175"/>
             <a:ext cx="3225800" cy="228600"/>
           </a:xfrm>
           <a:prstGeom prst="roundRect">
@@ -4623,8 +4623,8 @@
         </p:nvSpPr>
         <p:spPr>
           <a:xfrm>
-            <a:off x="5844870" y="1457012"/>
-            <a:ext cx="1327759" cy="616576"/>
+            <a:off x="5152196" y="1501487"/>
+            <a:ext cx="2603500" cy="228600"/>
           </a:xfrm>
           <a:prstGeom prst="roundRect">
             <a:avLst/>
@@ -4652,18 +4652,13 @@
           <a:p>
             <a:pPr algn="ctr"/>
             <a:r>
-              <a:rPr lang="en-US" dirty="0" err="1"/>
+              <a:rPr lang="en-US" sz="1200" dirty="0" err="1"/>
               <a:t>Dataframe</a:t>
             </a:r>
             <a:r>
-              <a:rPr lang="en-US" dirty="0"/>
-              <a:t> (</a:t>
-            </a:r>
-            <a:r>
-              <a:rPr lang="en-US"/>
-              <a:t>data_*)</a:t>
-            </a:r>
-            <a:endParaRPr lang="en-US" dirty="0"/>
+              <a:rPr lang="en-US" sz="1200" dirty="0"/>
+              <a:t> (data_*)</a:t>
+            </a:r>
           </a:p>
         </p:txBody>
       </p:sp>
@@ -4681,7 +4676,7 @@
         </p:nvSpPr>
         <p:spPr>
           <a:xfrm>
-            <a:off x="6017072" y="1058392"/>
+            <a:off x="6057605" y="1087284"/>
             <a:ext cx="1242648" cy="461665"/>
           </a:xfrm>
           <a:prstGeom prst="rect">
@@ -4716,7 +4711,7 @@
         </p:nvSpPr>
         <p:spPr>
           <a:xfrm>
-            <a:off x="338022" y="1310203"/>
+            <a:off x="922113" y="1083072"/>
             <a:ext cx="1107996" cy="461665"/>
           </a:xfrm>
           <a:prstGeom prst="rect">

--- a/scripts/flowchart_scripts.pptx
+++ b/scripts/flowchart_scripts.pptx
@@ -8,8 +8,10 @@
     <p:sldId id="256" r:id="rId2"/>
     <p:sldId id="257" r:id="rId3"/>
     <p:sldId id="258" r:id="rId4"/>
-    <p:sldId id="259" r:id="rId5"/>
-    <p:sldId id="260" r:id="rId6"/>
+    <p:sldId id="261" r:id="rId5"/>
+    <p:sldId id="262" r:id="rId6"/>
+    <p:sldId id="259" r:id="rId7"/>
+    <p:sldId id="260" r:id="rId8"/>
   </p:sldIdLst>
   <p:sldSz cx="7772400" cy="10058400"/>
   <p:notesSz cx="6858000" cy="9144000"/>
@@ -247,7 +249,7 @@
           <a:p>
             <a:fld id="{F061670A-77DF-43D8-9A1C-6CBADEEB7971}" type="datetimeFigureOut">
               <a:rPr lang="en-US" smtClean="0"/>
-              <a:t>6/5/2023</a:t>
+              <a:t>6/16/2023</a:t>
             </a:fld>
             <a:endParaRPr lang="en-US"/>
           </a:p>
@@ -417,7 +419,7 @@
           <a:p>
             <a:fld id="{F061670A-77DF-43D8-9A1C-6CBADEEB7971}" type="datetimeFigureOut">
               <a:rPr lang="en-US" smtClean="0"/>
-              <a:t>6/5/2023</a:t>
+              <a:t>6/16/2023</a:t>
             </a:fld>
             <a:endParaRPr lang="en-US"/>
           </a:p>
@@ -597,7 +599,7 @@
           <a:p>
             <a:fld id="{F061670A-77DF-43D8-9A1C-6CBADEEB7971}" type="datetimeFigureOut">
               <a:rPr lang="en-US" smtClean="0"/>
-              <a:t>6/5/2023</a:t>
+              <a:t>6/16/2023</a:t>
             </a:fld>
             <a:endParaRPr lang="en-US"/>
           </a:p>
@@ -767,7 +769,7 @@
           <a:p>
             <a:fld id="{F061670A-77DF-43D8-9A1C-6CBADEEB7971}" type="datetimeFigureOut">
               <a:rPr lang="en-US" smtClean="0"/>
-              <a:t>6/5/2023</a:t>
+              <a:t>6/16/2023</a:t>
             </a:fld>
             <a:endParaRPr lang="en-US"/>
           </a:p>
@@ -1011,7 +1013,7 @@
           <a:p>
             <a:fld id="{F061670A-77DF-43D8-9A1C-6CBADEEB7971}" type="datetimeFigureOut">
               <a:rPr lang="en-US" smtClean="0"/>
-              <a:t>6/5/2023</a:t>
+              <a:t>6/16/2023</a:t>
             </a:fld>
             <a:endParaRPr lang="en-US"/>
           </a:p>
@@ -1243,7 +1245,7 @@
           <a:p>
             <a:fld id="{F061670A-77DF-43D8-9A1C-6CBADEEB7971}" type="datetimeFigureOut">
               <a:rPr lang="en-US" smtClean="0"/>
-              <a:t>6/5/2023</a:t>
+              <a:t>6/16/2023</a:t>
             </a:fld>
             <a:endParaRPr lang="en-US"/>
           </a:p>
@@ -1610,7 +1612,7 @@
           <a:p>
             <a:fld id="{F061670A-77DF-43D8-9A1C-6CBADEEB7971}" type="datetimeFigureOut">
               <a:rPr lang="en-US" smtClean="0"/>
-              <a:t>6/5/2023</a:t>
+              <a:t>6/16/2023</a:t>
             </a:fld>
             <a:endParaRPr lang="en-US"/>
           </a:p>
@@ -1728,7 +1730,7 @@
           <a:p>
             <a:fld id="{F061670A-77DF-43D8-9A1C-6CBADEEB7971}" type="datetimeFigureOut">
               <a:rPr lang="en-US" smtClean="0"/>
-              <a:t>6/5/2023</a:t>
+              <a:t>6/16/2023</a:t>
             </a:fld>
             <a:endParaRPr lang="en-US"/>
           </a:p>
@@ -1823,7 +1825,7 @@
           <a:p>
             <a:fld id="{F061670A-77DF-43D8-9A1C-6CBADEEB7971}" type="datetimeFigureOut">
               <a:rPr lang="en-US" smtClean="0"/>
-              <a:t>6/5/2023</a:t>
+              <a:t>6/16/2023</a:t>
             </a:fld>
             <a:endParaRPr lang="en-US"/>
           </a:p>
@@ -2100,7 +2102,7 @@
           <a:p>
             <a:fld id="{F061670A-77DF-43D8-9A1C-6CBADEEB7971}" type="datetimeFigureOut">
               <a:rPr lang="en-US" smtClean="0"/>
-              <a:t>6/5/2023</a:t>
+              <a:t>6/16/2023</a:t>
             </a:fld>
             <a:endParaRPr lang="en-US"/>
           </a:p>
@@ -2357,7 +2359,7 @@
           <a:p>
             <a:fld id="{F061670A-77DF-43D8-9A1C-6CBADEEB7971}" type="datetimeFigureOut">
               <a:rPr lang="en-US" smtClean="0"/>
-              <a:t>6/5/2023</a:t>
+              <a:t>6/16/2023</a:t>
             </a:fld>
             <a:endParaRPr lang="en-US"/>
           </a:p>
@@ -2570,7 +2572,7 @@
           <a:p>
             <a:fld id="{F061670A-77DF-43D8-9A1C-6CBADEEB7971}" type="datetimeFigureOut">
               <a:rPr lang="en-US" smtClean="0"/>
-              <a:t>6/5/2023</a:t>
+              <a:t>6/16/2023</a:t>
             </a:fld>
             <a:endParaRPr lang="en-US"/>
           </a:p>
@@ -4084,7 +4086,7 @@
         </p:nvSpPr>
         <p:spPr>
           <a:xfrm>
-            <a:off x="3282950" y="4344757"/>
+            <a:off x="3282950" y="4567097"/>
             <a:ext cx="1828800" cy="457200"/>
           </a:xfrm>
           <a:prstGeom prst="roundRect">
@@ -4234,7 +4236,7 @@
         </p:nvSpPr>
         <p:spPr>
           <a:xfrm>
-            <a:off x="3282950" y="2923122"/>
+            <a:off x="3282950" y="3034292"/>
             <a:ext cx="1828800" cy="457200"/>
           </a:xfrm>
           <a:prstGeom prst="roundRect">
@@ -4284,8 +4286,8 @@
         </p:nvSpPr>
         <p:spPr>
           <a:xfrm>
-            <a:off x="3251200" y="5766392"/>
-            <a:ext cx="1892300" cy="822602"/>
+            <a:off x="3251200" y="6099902"/>
+            <a:ext cx="1892300" cy="457200"/>
           </a:xfrm>
           <a:prstGeom prst="roundRect">
             <a:avLst/>
@@ -4334,8 +4336,8 @@
         </p:nvSpPr>
         <p:spPr>
           <a:xfrm>
-            <a:off x="3282950" y="7553429"/>
-            <a:ext cx="1828800" cy="647646"/>
+            <a:off x="3282950" y="7632707"/>
+            <a:ext cx="1828800" cy="457200"/>
           </a:xfrm>
           <a:prstGeom prst="roundRect">
             <a:avLst/>
@@ -4653,12 +4655,9 @@
             <a:pPr algn="ctr"/>
             <a:r>
               <a:rPr lang="en-US" sz="1200" dirty="0" err="1"/>
-              <a:t>Dataframe</a:t>
-            </a:r>
-            <a:r>
-              <a:rPr lang="en-US" sz="1200" dirty="0"/>
-              <a:t> (data_*)</a:t>
-            </a:r>
+              <a:t>data_cas_si_su</a:t>
+            </a:r>
+            <a:endParaRPr lang="en-US" sz="1200" dirty="0"/>
           </a:p>
         </p:txBody>
       </p:sp>
@@ -4728,6 +4727,155 @@
             <a:r>
               <a:rPr lang="en-US" sz="2400" dirty="0"/>
               <a:t>INPUT	</a:t>
+            </a:r>
+          </a:p>
+        </p:txBody>
+      </p:sp>
+      <p:sp>
+        <p:nvSpPr>
+          <p:cNvPr id="6" name="Rectangle: Rounded Corners 5">
+            <a:extLst>
+              <a:ext uri="{FF2B5EF4-FFF2-40B4-BE49-F238E27FC236}">
+                <a16:creationId xmlns:a16="http://schemas.microsoft.com/office/drawing/2014/main" id="{1D117679-AF19-B7F6-2C3C-7F01E25307D0}"/>
+              </a:ext>
+            </a:extLst>
+          </p:cNvPr>
+          <p:cNvSpPr/>
+          <p:nvPr/>
+        </p:nvSpPr>
+        <p:spPr>
+          <a:xfrm>
+            <a:off x="5152196" y="5447799"/>
+            <a:ext cx="2603500" cy="228600"/>
+          </a:xfrm>
+          <a:prstGeom prst="roundRect">
+            <a:avLst/>
+          </a:prstGeom>
+        </p:spPr>
+        <p:style>
+          <a:lnRef idx="2">
+            <a:schemeClr val="accent6">
+              <a:shade val="50000"/>
+            </a:schemeClr>
+          </a:lnRef>
+          <a:fillRef idx="1">
+            <a:schemeClr val="accent6"/>
+          </a:fillRef>
+          <a:effectRef idx="0">
+            <a:schemeClr val="accent6"/>
+          </a:effectRef>
+          <a:fontRef idx="minor">
+            <a:schemeClr val="lt1"/>
+          </a:fontRef>
+        </p:style>
+        <p:txBody>
+          <a:bodyPr rtlCol="0" anchor="ctr"/>
+          <a:lstStyle/>
+          <a:p>
+            <a:pPr algn="ctr"/>
+            <a:r>
+              <a:rPr lang="en-US" sz="1200" dirty="0" err="1"/>
+              <a:t>data_cas_si_su_mpa</a:t>
+            </a:r>
+            <a:endParaRPr lang="en-US" sz="1200" dirty="0"/>
+          </a:p>
+        </p:txBody>
+      </p:sp>
+      <p:sp>
+        <p:nvSpPr>
+          <p:cNvPr id="7" name="Rectangle: Rounded Corners 6">
+            <a:extLst>
+              <a:ext uri="{FF2B5EF4-FFF2-40B4-BE49-F238E27FC236}">
+                <a16:creationId xmlns:a16="http://schemas.microsoft.com/office/drawing/2014/main" id="{E6D3A291-0D90-BA73-2F22-A04435859284}"/>
+              </a:ext>
+            </a:extLst>
+          </p:cNvPr>
+          <p:cNvSpPr/>
+          <p:nvPr/>
+        </p:nvSpPr>
+        <p:spPr>
+          <a:xfrm>
+            <a:off x="5143500" y="9394110"/>
+            <a:ext cx="2603500" cy="228600"/>
+          </a:xfrm>
+          <a:prstGeom prst="roundRect">
+            <a:avLst/>
+          </a:prstGeom>
+        </p:spPr>
+        <p:style>
+          <a:lnRef idx="2">
+            <a:schemeClr val="accent6">
+              <a:shade val="50000"/>
+            </a:schemeClr>
+          </a:lnRef>
+          <a:fillRef idx="1">
+            <a:schemeClr val="accent6"/>
+          </a:fillRef>
+          <a:effectRef idx="0">
+            <a:schemeClr val="accent6"/>
+          </a:effectRef>
+          <a:fontRef idx="minor">
+            <a:schemeClr val="lt1"/>
+          </a:fontRef>
+        </p:style>
+        <p:txBody>
+          <a:bodyPr rtlCol="0" anchor="ctr"/>
+          <a:lstStyle/>
+          <a:p>
+            <a:pPr algn="ctr"/>
+            <a:r>
+              <a:rPr lang="en-US" sz="1200" dirty="0" err="1"/>
+              <a:t>data_cas_si_su_mpa_pop</a:t>
+            </a:r>
+            <a:endParaRPr lang="en-US" sz="1200" dirty="0"/>
+          </a:p>
+        </p:txBody>
+      </p:sp>
+      <p:sp>
+        <p:nvSpPr>
+          <p:cNvPr id="8" name="Rectangle: Rounded Corners 7">
+            <a:extLst>
+              <a:ext uri="{FF2B5EF4-FFF2-40B4-BE49-F238E27FC236}">
+                <a16:creationId xmlns:a16="http://schemas.microsoft.com/office/drawing/2014/main" id="{5F537EEE-F86B-B288-A5BC-AC3C9B1ECAEB}"/>
+              </a:ext>
+            </a:extLst>
+          </p:cNvPr>
+          <p:cNvSpPr/>
+          <p:nvPr/>
+        </p:nvSpPr>
+        <p:spPr>
+          <a:xfrm>
+            <a:off x="16704" y="3028699"/>
+            <a:ext cx="3225800" cy="228600"/>
+          </a:xfrm>
+          <a:prstGeom prst="roundRect">
+            <a:avLst/>
+          </a:prstGeom>
+        </p:spPr>
+        <p:style>
+          <a:lnRef idx="2">
+            <a:schemeClr val="accent2">
+              <a:shade val="50000"/>
+            </a:schemeClr>
+          </a:lnRef>
+          <a:fillRef idx="1">
+            <a:schemeClr val="accent2"/>
+          </a:fillRef>
+          <a:effectRef idx="0">
+            <a:schemeClr val="accent2"/>
+          </a:effectRef>
+          <a:fontRef idx="minor">
+            <a:schemeClr val="lt1"/>
+          </a:fontRef>
+        </p:style>
+        <p:txBody>
+          <a:bodyPr rtlCol="0" anchor="ctr"/>
+          <a:lstStyle/>
+          <a:p>
+            <a:pPr algn="ctr"/>
+            <a:r>
+              <a:rPr lang="en-US" sz="1200" b="1" dirty="0"/>
+              <a:t>../data/SU-SI_Duplicates_20220808.xlsx</a:t>
             </a:r>
           </a:p>
         </p:txBody>
@@ -4764,6 +4912,1627 @@
       </p:grpSpPr>
       <p:sp>
         <p:nvSpPr>
+          <p:cNvPr id="10" name="Rectangle: Rounded Corners 9">
+            <a:extLst>
+              <a:ext uri="{FF2B5EF4-FFF2-40B4-BE49-F238E27FC236}">
+                <a16:creationId xmlns:a16="http://schemas.microsoft.com/office/drawing/2014/main" id="{D737E575-F2DD-3F22-BF17-22BAEE3E5AE5}"/>
+              </a:ext>
+            </a:extLst>
+          </p:cNvPr>
+          <p:cNvSpPr/>
+          <p:nvPr/>
+        </p:nvSpPr>
+        <p:spPr>
+          <a:xfrm>
+            <a:off x="3282950" y="9165510"/>
+            <a:ext cx="1828800" cy="457200"/>
+          </a:xfrm>
+          <a:prstGeom prst="roundRect">
+            <a:avLst/>
+          </a:prstGeom>
+        </p:spPr>
+        <p:style>
+          <a:lnRef idx="2">
+            <a:schemeClr val="accent1">
+              <a:shade val="50000"/>
+            </a:schemeClr>
+          </a:lnRef>
+          <a:fillRef idx="1">
+            <a:schemeClr val="accent1"/>
+          </a:fillRef>
+          <a:effectRef idx="0">
+            <a:schemeClr val="accent1"/>
+          </a:effectRef>
+          <a:fontRef idx="minor">
+            <a:schemeClr val="lt1"/>
+          </a:fontRef>
+        </p:style>
+        <p:txBody>
+          <a:bodyPr rtlCol="0" anchor="ctr"/>
+          <a:lstStyle/>
+          <a:p>
+            <a:pPr algn="ctr"/>
+            <a:r>
+              <a:rPr lang="en-US" sz="1200" b="1" dirty="0" err="1"/>
+              <a:t>wrangle_arcgis.R</a:t>
+            </a:r>
+            <a:endParaRPr lang="en-US" sz="1200" b="1" dirty="0"/>
+          </a:p>
+        </p:txBody>
+      </p:sp>
+      <p:sp>
+        <p:nvSpPr>
+          <p:cNvPr id="11" name="Rectangle: Rounded Corners 10">
+            <a:extLst>
+              <a:ext uri="{FF2B5EF4-FFF2-40B4-BE49-F238E27FC236}">
+                <a16:creationId xmlns:a16="http://schemas.microsoft.com/office/drawing/2014/main" id="{111909DF-EE82-E882-21E3-803BF6C62F9A}"/>
+              </a:ext>
+            </a:extLst>
+          </p:cNvPr>
+          <p:cNvSpPr/>
+          <p:nvPr/>
+        </p:nvSpPr>
+        <p:spPr>
+          <a:xfrm>
+            <a:off x="3282950" y="4567097"/>
+            <a:ext cx="1828800" cy="457200"/>
+          </a:xfrm>
+          <a:prstGeom prst="roundRect">
+            <a:avLst/>
+          </a:prstGeom>
+        </p:spPr>
+        <p:style>
+          <a:lnRef idx="2">
+            <a:schemeClr val="accent1">
+              <a:shade val="50000"/>
+            </a:schemeClr>
+          </a:lnRef>
+          <a:fillRef idx="1">
+            <a:schemeClr val="accent1"/>
+          </a:fillRef>
+          <a:effectRef idx="0">
+            <a:schemeClr val="accent1"/>
+          </a:effectRef>
+          <a:fontRef idx="minor">
+            <a:schemeClr val="lt1"/>
+          </a:fontRef>
+        </p:style>
+        <p:txBody>
+          <a:bodyPr rtlCol="0" anchor="ctr"/>
+          <a:lstStyle/>
+          <a:p>
+            <a:pPr algn="ctr"/>
+            <a:r>
+              <a:rPr lang="en-US" sz="1200" b="1" dirty="0" err="1"/>
+              <a:t>wrangle_cas_data.R</a:t>
+            </a:r>
+            <a:endParaRPr lang="en-US" sz="1200" b="1" dirty="0"/>
+          </a:p>
+        </p:txBody>
+      </p:sp>
+      <p:sp>
+        <p:nvSpPr>
+          <p:cNvPr id="12" name="Rectangle: Rounded Corners 11">
+            <a:extLst>
+              <a:ext uri="{FF2B5EF4-FFF2-40B4-BE49-F238E27FC236}">
+                <a16:creationId xmlns:a16="http://schemas.microsoft.com/office/drawing/2014/main" id="{F8233055-3E4B-7D86-0AA2-255CDE3DC270}"/>
+              </a:ext>
+            </a:extLst>
+          </p:cNvPr>
+          <p:cNvSpPr/>
+          <p:nvPr/>
+        </p:nvSpPr>
+        <p:spPr>
+          <a:xfrm>
+            <a:off x="3282950" y="1501487"/>
+            <a:ext cx="1828800" cy="457200"/>
+          </a:xfrm>
+          <a:prstGeom prst="roundRect">
+            <a:avLst/>
+          </a:prstGeom>
+        </p:spPr>
+        <p:style>
+          <a:lnRef idx="2">
+            <a:schemeClr val="accent1">
+              <a:shade val="50000"/>
+            </a:schemeClr>
+          </a:lnRef>
+          <a:fillRef idx="1">
+            <a:schemeClr val="accent1"/>
+          </a:fillRef>
+          <a:effectRef idx="0">
+            <a:schemeClr val="accent1"/>
+          </a:effectRef>
+          <a:fontRef idx="minor">
+            <a:schemeClr val="lt1"/>
+          </a:fontRef>
+        </p:style>
+        <p:txBody>
+          <a:bodyPr rtlCol="0" anchor="ctr"/>
+          <a:lstStyle/>
+          <a:p>
+            <a:pPr algn="ctr"/>
+            <a:r>
+              <a:rPr lang="en-US" sz="1200" b="1" dirty="0" err="1"/>
+              <a:t>wrangleStationData_SI.R</a:t>
+            </a:r>
+            <a:endParaRPr lang="en-US" sz="1200" b="1" dirty="0"/>
+          </a:p>
+        </p:txBody>
+      </p:sp>
+      <p:sp>
+        <p:nvSpPr>
+          <p:cNvPr id="13" name="Rectangle: Rounded Corners 12">
+            <a:extLst>
+              <a:ext uri="{FF2B5EF4-FFF2-40B4-BE49-F238E27FC236}">
+                <a16:creationId xmlns:a16="http://schemas.microsoft.com/office/drawing/2014/main" id="{4EAD1516-111C-AE3C-0503-992AE73B9E6E}"/>
+              </a:ext>
+            </a:extLst>
+          </p:cNvPr>
+          <p:cNvSpPr/>
+          <p:nvPr/>
+        </p:nvSpPr>
+        <p:spPr>
+          <a:xfrm>
+            <a:off x="1104900" y="215479"/>
+            <a:ext cx="5372100" cy="851321"/>
+          </a:xfrm>
+          <a:prstGeom prst="roundRect">
+            <a:avLst/>
+          </a:prstGeom>
+        </p:spPr>
+        <p:style>
+          <a:lnRef idx="2">
+            <a:schemeClr val="accent1">
+              <a:shade val="50000"/>
+            </a:schemeClr>
+          </a:lnRef>
+          <a:fillRef idx="1">
+            <a:schemeClr val="accent1"/>
+          </a:fillRef>
+          <a:effectRef idx="0">
+            <a:schemeClr val="accent1"/>
+          </a:effectRef>
+          <a:fontRef idx="minor">
+            <a:schemeClr val="lt1"/>
+          </a:fontRef>
+        </p:style>
+        <p:txBody>
+          <a:bodyPr rtlCol="0" anchor="ctr"/>
+          <a:lstStyle/>
+          <a:p>
+            <a:pPr algn="ctr"/>
+            <a:r>
+              <a:rPr lang="en-US" sz="3600" dirty="0" err="1"/>
+              <a:t>wrangle_cas_si_su_data.R</a:t>
+            </a:r>
+            <a:endParaRPr lang="en-US" sz="3600" dirty="0"/>
+          </a:p>
+        </p:txBody>
+      </p:sp>
+      <p:sp>
+        <p:nvSpPr>
+          <p:cNvPr id="14" name="Rectangle: Rounded Corners 13">
+            <a:extLst>
+              <a:ext uri="{FF2B5EF4-FFF2-40B4-BE49-F238E27FC236}">
+                <a16:creationId xmlns:a16="http://schemas.microsoft.com/office/drawing/2014/main" id="{600BB368-7EFF-8F1A-2975-1356952FE833}"/>
+              </a:ext>
+            </a:extLst>
+          </p:cNvPr>
+          <p:cNvSpPr/>
+          <p:nvPr/>
+        </p:nvSpPr>
+        <p:spPr>
+          <a:xfrm>
+            <a:off x="3282950" y="3034292"/>
+            <a:ext cx="1828800" cy="457200"/>
+          </a:xfrm>
+          <a:prstGeom prst="roundRect">
+            <a:avLst/>
+          </a:prstGeom>
+        </p:spPr>
+        <p:style>
+          <a:lnRef idx="2">
+            <a:schemeClr val="accent1">
+              <a:shade val="50000"/>
+            </a:schemeClr>
+          </a:lnRef>
+          <a:fillRef idx="1">
+            <a:schemeClr val="accent1"/>
+          </a:fillRef>
+          <a:effectRef idx="0">
+            <a:schemeClr val="accent1"/>
+          </a:effectRef>
+          <a:fontRef idx="minor">
+            <a:schemeClr val="lt1"/>
+          </a:fontRef>
+        </p:style>
+        <p:txBody>
+          <a:bodyPr rtlCol="0" anchor="ctr"/>
+          <a:lstStyle/>
+          <a:p>
+            <a:pPr algn="ctr"/>
+            <a:r>
+              <a:rPr lang="en-US" sz="1200" b="1" dirty="0" err="1"/>
+              <a:t>wrangle_SU-SI_DuplicatesNewData.R</a:t>
+            </a:r>
+            <a:endParaRPr lang="en-US" sz="1200" b="1" dirty="0"/>
+          </a:p>
+        </p:txBody>
+      </p:sp>
+      <p:sp>
+        <p:nvSpPr>
+          <p:cNvPr id="15" name="Rectangle: Rounded Corners 14">
+            <a:extLst>
+              <a:ext uri="{FF2B5EF4-FFF2-40B4-BE49-F238E27FC236}">
+                <a16:creationId xmlns:a16="http://schemas.microsoft.com/office/drawing/2014/main" id="{D4E87A1D-6DA3-D7B4-187C-F8D08F6EF6F6}"/>
+              </a:ext>
+            </a:extLst>
+          </p:cNvPr>
+          <p:cNvSpPr/>
+          <p:nvPr/>
+        </p:nvSpPr>
+        <p:spPr>
+          <a:xfrm>
+            <a:off x="3251200" y="6099902"/>
+            <a:ext cx="1892300" cy="457200"/>
+          </a:xfrm>
+          <a:prstGeom prst="roundRect">
+            <a:avLst/>
+          </a:prstGeom>
+        </p:spPr>
+        <p:style>
+          <a:lnRef idx="2">
+            <a:schemeClr val="accent1">
+              <a:shade val="50000"/>
+            </a:schemeClr>
+          </a:lnRef>
+          <a:fillRef idx="1">
+            <a:schemeClr val="accent1"/>
+          </a:fillRef>
+          <a:effectRef idx="0">
+            <a:schemeClr val="accent1"/>
+          </a:effectRef>
+          <a:fontRef idx="minor">
+            <a:schemeClr val="lt1"/>
+          </a:fontRef>
+        </p:style>
+        <p:txBody>
+          <a:bodyPr rtlCol="0" anchor="ctr"/>
+          <a:lstStyle/>
+          <a:p>
+            <a:pPr algn="ctr"/>
+            <a:r>
+              <a:rPr lang="en-US" sz="1200" dirty="0" err="1"/>
+              <a:t>distance_calculations_mpa.R</a:t>
+            </a:r>
+            <a:endParaRPr lang="en-US" sz="1200" dirty="0"/>
+          </a:p>
+        </p:txBody>
+      </p:sp>
+      <p:sp>
+        <p:nvSpPr>
+          <p:cNvPr id="16" name="Rectangle: Rounded Corners 15">
+            <a:extLst>
+              <a:ext uri="{FF2B5EF4-FFF2-40B4-BE49-F238E27FC236}">
+                <a16:creationId xmlns:a16="http://schemas.microsoft.com/office/drawing/2014/main" id="{E23CA4BF-9220-9927-503F-1EFB97CD8D06}"/>
+              </a:ext>
+            </a:extLst>
+          </p:cNvPr>
+          <p:cNvSpPr/>
+          <p:nvPr/>
+        </p:nvSpPr>
+        <p:spPr>
+          <a:xfrm>
+            <a:off x="3282950" y="7632707"/>
+            <a:ext cx="1828800" cy="457200"/>
+          </a:xfrm>
+          <a:prstGeom prst="roundRect">
+            <a:avLst/>
+          </a:prstGeom>
+        </p:spPr>
+        <p:style>
+          <a:lnRef idx="2">
+            <a:schemeClr val="accent1">
+              <a:shade val="50000"/>
+            </a:schemeClr>
+          </a:lnRef>
+          <a:fillRef idx="1">
+            <a:schemeClr val="accent1"/>
+          </a:fillRef>
+          <a:effectRef idx="0">
+            <a:schemeClr val="accent1"/>
+          </a:effectRef>
+          <a:fontRef idx="minor">
+            <a:schemeClr val="lt1"/>
+          </a:fontRef>
+        </p:style>
+        <p:txBody>
+          <a:bodyPr rtlCol="0" anchor="ctr"/>
+          <a:lstStyle/>
+          <a:p>
+            <a:pPr algn="ctr"/>
+            <a:r>
+              <a:rPr lang="en-US" sz="1200" dirty="0" err="1"/>
+              <a:t>visualize_pca_mpa_influence.R</a:t>
+            </a:r>
+            <a:endParaRPr lang="en-US" sz="1200" dirty="0"/>
+          </a:p>
+        </p:txBody>
+      </p:sp>
+      <p:sp>
+        <p:nvSpPr>
+          <p:cNvPr id="2" name="TextBox 1">
+            <a:extLst>
+              <a:ext uri="{FF2B5EF4-FFF2-40B4-BE49-F238E27FC236}">
+                <a16:creationId xmlns:a16="http://schemas.microsoft.com/office/drawing/2014/main" id="{65889B7A-55FF-80CA-8147-3FEEBCBBD354}"/>
+              </a:ext>
+            </a:extLst>
+          </p:cNvPr>
+          <p:cNvSpPr txBox="1"/>
+          <p:nvPr/>
+        </p:nvSpPr>
+        <p:spPr>
+          <a:xfrm>
+            <a:off x="3643352" y="1087352"/>
+            <a:ext cx="1107996" cy="461665"/>
+          </a:xfrm>
+          <a:prstGeom prst="rect">
+            <a:avLst/>
+          </a:prstGeom>
+          <a:noFill/>
+        </p:spPr>
+        <p:txBody>
+          <a:bodyPr wrap="none" rtlCol="0">
+            <a:spAutoFit/>
+          </a:bodyPr>
+          <a:lstStyle/>
+          <a:p>
+            <a:r>
+              <a:rPr lang="en-US" sz="2400" dirty="0"/>
+              <a:t>SCRIPT	</a:t>
+            </a:r>
+          </a:p>
+        </p:txBody>
+      </p:sp>
+      <p:sp>
+        <p:nvSpPr>
+          <p:cNvPr id="3" name="Rectangle: Rounded Corners 2">
+            <a:extLst>
+              <a:ext uri="{FF2B5EF4-FFF2-40B4-BE49-F238E27FC236}">
+                <a16:creationId xmlns:a16="http://schemas.microsoft.com/office/drawing/2014/main" id="{25890449-4B5F-9803-75FD-1FD83763495C}"/>
+              </a:ext>
+            </a:extLst>
+          </p:cNvPr>
+          <p:cNvSpPr/>
+          <p:nvPr/>
+        </p:nvSpPr>
+        <p:spPr>
+          <a:xfrm>
+            <a:off x="5152196" y="1501487"/>
+            <a:ext cx="2603500" cy="228600"/>
+          </a:xfrm>
+          <a:prstGeom prst="roundRect">
+            <a:avLst/>
+          </a:prstGeom>
+        </p:spPr>
+        <p:style>
+          <a:lnRef idx="2">
+            <a:schemeClr val="accent6">
+              <a:shade val="50000"/>
+            </a:schemeClr>
+          </a:lnRef>
+          <a:fillRef idx="1">
+            <a:schemeClr val="accent6"/>
+          </a:fillRef>
+          <a:effectRef idx="0">
+            <a:schemeClr val="accent6"/>
+          </a:effectRef>
+          <a:fontRef idx="minor">
+            <a:schemeClr val="lt1"/>
+          </a:fontRef>
+        </p:style>
+        <p:txBody>
+          <a:bodyPr rtlCol="0" anchor="ctr"/>
+          <a:lstStyle/>
+          <a:p>
+            <a:pPr algn="ctr"/>
+            <a:r>
+              <a:rPr lang="en-US" sz="1200" dirty="0" err="1"/>
+              <a:t>data_cas_si_su</a:t>
+            </a:r>
+            <a:endParaRPr lang="en-US" sz="1200" dirty="0"/>
+          </a:p>
+        </p:txBody>
+      </p:sp>
+      <p:sp>
+        <p:nvSpPr>
+          <p:cNvPr id="4" name="TextBox 3">
+            <a:extLst>
+              <a:ext uri="{FF2B5EF4-FFF2-40B4-BE49-F238E27FC236}">
+                <a16:creationId xmlns:a16="http://schemas.microsoft.com/office/drawing/2014/main" id="{0109E3E0-7269-924F-A5B5-C68C5B80EBE6}"/>
+              </a:ext>
+            </a:extLst>
+          </p:cNvPr>
+          <p:cNvSpPr txBox="1"/>
+          <p:nvPr/>
+        </p:nvSpPr>
+        <p:spPr>
+          <a:xfrm>
+            <a:off x="6057605" y="1087284"/>
+            <a:ext cx="1242648" cy="461665"/>
+          </a:xfrm>
+          <a:prstGeom prst="rect">
+            <a:avLst/>
+          </a:prstGeom>
+          <a:noFill/>
+        </p:spPr>
+        <p:txBody>
+          <a:bodyPr wrap="none" rtlCol="0">
+            <a:spAutoFit/>
+          </a:bodyPr>
+          <a:lstStyle/>
+          <a:p>
+            <a:r>
+              <a:rPr lang="en-US" sz="2400" dirty="0"/>
+              <a:t>OUTPUT</a:t>
+            </a:r>
+          </a:p>
+        </p:txBody>
+      </p:sp>
+      <p:sp>
+        <p:nvSpPr>
+          <p:cNvPr id="5" name="TextBox 4">
+            <a:extLst>
+              <a:ext uri="{FF2B5EF4-FFF2-40B4-BE49-F238E27FC236}">
+                <a16:creationId xmlns:a16="http://schemas.microsoft.com/office/drawing/2014/main" id="{3C7693B8-B001-51BA-D2C7-85B261581FC5}"/>
+              </a:ext>
+            </a:extLst>
+          </p:cNvPr>
+          <p:cNvSpPr txBox="1"/>
+          <p:nvPr/>
+        </p:nvSpPr>
+        <p:spPr>
+          <a:xfrm>
+            <a:off x="922113" y="1083072"/>
+            <a:ext cx="1107996" cy="461665"/>
+          </a:xfrm>
+          <a:prstGeom prst="rect">
+            <a:avLst/>
+          </a:prstGeom>
+          <a:noFill/>
+        </p:spPr>
+        <p:txBody>
+          <a:bodyPr wrap="none" rtlCol="0">
+            <a:spAutoFit/>
+          </a:bodyPr>
+          <a:lstStyle/>
+          <a:p>
+            <a:r>
+              <a:rPr lang="en-US" sz="2400" dirty="0"/>
+              <a:t>INPUT	</a:t>
+            </a:r>
+          </a:p>
+        </p:txBody>
+      </p:sp>
+      <p:sp>
+        <p:nvSpPr>
+          <p:cNvPr id="6" name="Rectangle: Rounded Corners 5">
+            <a:extLst>
+              <a:ext uri="{FF2B5EF4-FFF2-40B4-BE49-F238E27FC236}">
+                <a16:creationId xmlns:a16="http://schemas.microsoft.com/office/drawing/2014/main" id="{1D117679-AF19-B7F6-2C3C-7F01E25307D0}"/>
+              </a:ext>
+            </a:extLst>
+          </p:cNvPr>
+          <p:cNvSpPr/>
+          <p:nvPr/>
+        </p:nvSpPr>
+        <p:spPr>
+          <a:xfrm>
+            <a:off x="5152196" y="5447799"/>
+            <a:ext cx="2603500" cy="228600"/>
+          </a:xfrm>
+          <a:prstGeom prst="roundRect">
+            <a:avLst/>
+          </a:prstGeom>
+        </p:spPr>
+        <p:style>
+          <a:lnRef idx="2">
+            <a:schemeClr val="accent6">
+              <a:shade val="50000"/>
+            </a:schemeClr>
+          </a:lnRef>
+          <a:fillRef idx="1">
+            <a:schemeClr val="accent6"/>
+          </a:fillRef>
+          <a:effectRef idx="0">
+            <a:schemeClr val="accent6"/>
+          </a:effectRef>
+          <a:fontRef idx="minor">
+            <a:schemeClr val="lt1"/>
+          </a:fontRef>
+        </p:style>
+        <p:txBody>
+          <a:bodyPr rtlCol="0" anchor="ctr"/>
+          <a:lstStyle/>
+          <a:p>
+            <a:pPr algn="ctr"/>
+            <a:r>
+              <a:rPr lang="en-US" sz="1200" dirty="0" err="1"/>
+              <a:t>data_cas_si_su_mpa</a:t>
+            </a:r>
+            <a:endParaRPr lang="en-US" sz="1200" dirty="0"/>
+          </a:p>
+        </p:txBody>
+      </p:sp>
+      <p:sp>
+        <p:nvSpPr>
+          <p:cNvPr id="7" name="Rectangle: Rounded Corners 6">
+            <a:extLst>
+              <a:ext uri="{FF2B5EF4-FFF2-40B4-BE49-F238E27FC236}">
+                <a16:creationId xmlns:a16="http://schemas.microsoft.com/office/drawing/2014/main" id="{E6D3A291-0D90-BA73-2F22-A04435859284}"/>
+              </a:ext>
+            </a:extLst>
+          </p:cNvPr>
+          <p:cNvSpPr/>
+          <p:nvPr/>
+        </p:nvSpPr>
+        <p:spPr>
+          <a:xfrm>
+            <a:off x="5143500" y="9394110"/>
+            <a:ext cx="2603500" cy="228600"/>
+          </a:xfrm>
+          <a:prstGeom prst="roundRect">
+            <a:avLst/>
+          </a:prstGeom>
+        </p:spPr>
+        <p:style>
+          <a:lnRef idx="2">
+            <a:schemeClr val="accent6">
+              <a:shade val="50000"/>
+            </a:schemeClr>
+          </a:lnRef>
+          <a:fillRef idx="1">
+            <a:schemeClr val="accent6"/>
+          </a:fillRef>
+          <a:effectRef idx="0">
+            <a:schemeClr val="accent6"/>
+          </a:effectRef>
+          <a:fontRef idx="minor">
+            <a:schemeClr val="lt1"/>
+          </a:fontRef>
+        </p:style>
+        <p:txBody>
+          <a:bodyPr rtlCol="0" anchor="ctr"/>
+          <a:lstStyle/>
+          <a:p>
+            <a:pPr algn="ctr"/>
+            <a:r>
+              <a:rPr lang="en-US" sz="1200" dirty="0" err="1"/>
+              <a:t>data_cas_si_su_mpa_pop</a:t>
+            </a:r>
+            <a:endParaRPr lang="en-US" sz="1200" dirty="0"/>
+          </a:p>
+        </p:txBody>
+      </p:sp>
+    </p:spTree>
+    <p:extLst>
+      <p:ext uri="{BB962C8B-B14F-4D97-AF65-F5344CB8AC3E}">
+        <p14:creationId xmlns:p14="http://schemas.microsoft.com/office/powerpoint/2010/main" val="3585531918"/>
+      </p:ext>
+    </p:extLst>
+  </p:cSld>
+  <p:clrMapOvr>
+    <a:masterClrMapping/>
+  </p:clrMapOvr>
+</p:sld>
+</file>
+
+<file path=ppt/slides/slide5.xml><?xml version="1.0" encoding="utf-8"?>
+<p:sld xmlns:a="http://schemas.openxmlformats.org/drawingml/2006/main" xmlns:r="http://schemas.openxmlformats.org/officeDocument/2006/relationships" xmlns:p="http://schemas.openxmlformats.org/presentationml/2006/main">
+  <p:cSld>
+    <p:spTree>
+      <p:nvGrpSpPr>
+        <p:cNvPr id="1" name=""/>
+        <p:cNvGrpSpPr/>
+        <p:nvPr/>
+      </p:nvGrpSpPr>
+      <p:grpSpPr>
+        <a:xfrm>
+          <a:off x="0" y="0"/>
+          <a:ext cx="0" cy="0"/>
+          <a:chOff x="0" y="0"/>
+          <a:chExt cx="0" cy="0"/>
+        </a:xfrm>
+      </p:grpSpPr>
+      <p:sp>
+        <p:nvSpPr>
+          <p:cNvPr id="10" name="Rectangle: Rounded Corners 9">
+            <a:extLst>
+              <a:ext uri="{FF2B5EF4-FFF2-40B4-BE49-F238E27FC236}">
+                <a16:creationId xmlns:a16="http://schemas.microsoft.com/office/drawing/2014/main" id="{D737E575-F2DD-3F22-BF17-22BAEE3E5AE5}"/>
+              </a:ext>
+            </a:extLst>
+          </p:cNvPr>
+          <p:cNvSpPr/>
+          <p:nvPr/>
+        </p:nvSpPr>
+        <p:spPr>
+          <a:xfrm>
+            <a:off x="3282950" y="9165510"/>
+            <a:ext cx="1828800" cy="457200"/>
+          </a:xfrm>
+          <a:prstGeom prst="roundRect">
+            <a:avLst/>
+          </a:prstGeom>
+        </p:spPr>
+        <p:style>
+          <a:lnRef idx="2">
+            <a:schemeClr val="accent1">
+              <a:shade val="50000"/>
+            </a:schemeClr>
+          </a:lnRef>
+          <a:fillRef idx="1">
+            <a:schemeClr val="accent1"/>
+          </a:fillRef>
+          <a:effectRef idx="0">
+            <a:schemeClr val="accent1"/>
+          </a:effectRef>
+          <a:fontRef idx="minor">
+            <a:schemeClr val="lt1"/>
+          </a:fontRef>
+        </p:style>
+        <p:txBody>
+          <a:bodyPr rtlCol="0" anchor="ctr"/>
+          <a:lstStyle/>
+          <a:p>
+            <a:pPr algn="ctr"/>
+            <a:r>
+              <a:rPr lang="en-US" sz="1200" b="1" dirty="0" err="1"/>
+              <a:t>wrangle_arcgis.R</a:t>
+            </a:r>
+            <a:endParaRPr lang="en-US" sz="1200" b="1" dirty="0"/>
+          </a:p>
+        </p:txBody>
+      </p:sp>
+      <p:sp>
+        <p:nvSpPr>
+          <p:cNvPr id="11" name="Rectangle: Rounded Corners 10">
+            <a:extLst>
+              <a:ext uri="{FF2B5EF4-FFF2-40B4-BE49-F238E27FC236}">
+                <a16:creationId xmlns:a16="http://schemas.microsoft.com/office/drawing/2014/main" id="{111909DF-EE82-E882-21E3-803BF6C62F9A}"/>
+              </a:ext>
+            </a:extLst>
+          </p:cNvPr>
+          <p:cNvSpPr/>
+          <p:nvPr/>
+        </p:nvSpPr>
+        <p:spPr>
+          <a:xfrm>
+            <a:off x="3282950" y="4567097"/>
+            <a:ext cx="1828800" cy="457200"/>
+          </a:xfrm>
+          <a:prstGeom prst="roundRect">
+            <a:avLst/>
+          </a:prstGeom>
+        </p:spPr>
+        <p:style>
+          <a:lnRef idx="2">
+            <a:schemeClr val="accent1">
+              <a:shade val="50000"/>
+            </a:schemeClr>
+          </a:lnRef>
+          <a:fillRef idx="1">
+            <a:schemeClr val="accent1"/>
+          </a:fillRef>
+          <a:effectRef idx="0">
+            <a:schemeClr val="accent1"/>
+          </a:effectRef>
+          <a:fontRef idx="minor">
+            <a:schemeClr val="lt1"/>
+          </a:fontRef>
+        </p:style>
+        <p:txBody>
+          <a:bodyPr rtlCol="0" anchor="ctr"/>
+          <a:lstStyle/>
+          <a:p>
+            <a:pPr algn="ctr"/>
+            <a:r>
+              <a:rPr lang="en-US" sz="1200" b="1" dirty="0" err="1"/>
+              <a:t>wrangle_cas_data.R</a:t>
+            </a:r>
+            <a:endParaRPr lang="en-US" sz="1200" b="1" dirty="0"/>
+          </a:p>
+        </p:txBody>
+      </p:sp>
+      <p:sp>
+        <p:nvSpPr>
+          <p:cNvPr id="12" name="Rectangle: Rounded Corners 11">
+            <a:extLst>
+              <a:ext uri="{FF2B5EF4-FFF2-40B4-BE49-F238E27FC236}">
+                <a16:creationId xmlns:a16="http://schemas.microsoft.com/office/drawing/2014/main" id="{F8233055-3E4B-7D86-0AA2-255CDE3DC270}"/>
+              </a:ext>
+            </a:extLst>
+          </p:cNvPr>
+          <p:cNvSpPr/>
+          <p:nvPr/>
+        </p:nvSpPr>
+        <p:spPr>
+          <a:xfrm>
+            <a:off x="3282950" y="1501487"/>
+            <a:ext cx="1828800" cy="457200"/>
+          </a:xfrm>
+          <a:prstGeom prst="roundRect">
+            <a:avLst/>
+          </a:prstGeom>
+        </p:spPr>
+        <p:style>
+          <a:lnRef idx="2">
+            <a:schemeClr val="accent1">
+              <a:shade val="50000"/>
+            </a:schemeClr>
+          </a:lnRef>
+          <a:fillRef idx="1">
+            <a:schemeClr val="accent1"/>
+          </a:fillRef>
+          <a:effectRef idx="0">
+            <a:schemeClr val="accent1"/>
+          </a:effectRef>
+          <a:fontRef idx="minor">
+            <a:schemeClr val="lt1"/>
+          </a:fontRef>
+        </p:style>
+        <p:txBody>
+          <a:bodyPr rtlCol="0" anchor="ctr"/>
+          <a:lstStyle/>
+          <a:p>
+            <a:pPr algn="ctr"/>
+            <a:r>
+              <a:rPr lang="en-US" sz="1200" b="1" dirty="0" err="1"/>
+              <a:t>wrangleStationData_SI.R</a:t>
+            </a:r>
+            <a:endParaRPr lang="en-US" sz="1200" b="1" dirty="0"/>
+          </a:p>
+        </p:txBody>
+      </p:sp>
+      <p:sp>
+        <p:nvSpPr>
+          <p:cNvPr id="13" name="Rectangle: Rounded Corners 12">
+            <a:extLst>
+              <a:ext uri="{FF2B5EF4-FFF2-40B4-BE49-F238E27FC236}">
+                <a16:creationId xmlns:a16="http://schemas.microsoft.com/office/drawing/2014/main" id="{4EAD1516-111C-AE3C-0503-992AE73B9E6E}"/>
+              </a:ext>
+            </a:extLst>
+          </p:cNvPr>
+          <p:cNvSpPr/>
+          <p:nvPr/>
+        </p:nvSpPr>
+        <p:spPr>
+          <a:xfrm>
+            <a:off x="1104900" y="7467"/>
+            <a:ext cx="5372100" cy="1059333"/>
+          </a:xfrm>
+          <a:prstGeom prst="roundRect">
+            <a:avLst/>
+          </a:prstGeom>
+        </p:spPr>
+        <p:style>
+          <a:lnRef idx="2">
+            <a:schemeClr val="accent1">
+              <a:shade val="50000"/>
+            </a:schemeClr>
+          </a:lnRef>
+          <a:fillRef idx="1">
+            <a:schemeClr val="accent1"/>
+          </a:fillRef>
+          <a:effectRef idx="0">
+            <a:schemeClr val="accent1"/>
+          </a:effectRef>
+          <a:fontRef idx="minor">
+            <a:schemeClr val="lt1"/>
+          </a:fontRef>
+        </p:style>
+        <p:txBody>
+          <a:bodyPr rtlCol="0" anchor="ctr"/>
+          <a:lstStyle/>
+          <a:p>
+            <a:pPr algn="ctr"/>
+            <a:r>
+              <a:rPr lang="en-US" sz="3600" b="1" dirty="0" err="1"/>
+              <a:t>wrangle_SU-SI_DuplicatesNewData.R</a:t>
+            </a:r>
+            <a:endParaRPr lang="en-US" sz="3600" b="1" dirty="0"/>
+          </a:p>
+        </p:txBody>
+      </p:sp>
+      <p:sp>
+        <p:nvSpPr>
+          <p:cNvPr id="14" name="Rectangle: Rounded Corners 13">
+            <a:extLst>
+              <a:ext uri="{FF2B5EF4-FFF2-40B4-BE49-F238E27FC236}">
+                <a16:creationId xmlns:a16="http://schemas.microsoft.com/office/drawing/2014/main" id="{600BB368-7EFF-8F1A-2975-1356952FE833}"/>
+              </a:ext>
+            </a:extLst>
+          </p:cNvPr>
+          <p:cNvSpPr/>
+          <p:nvPr/>
+        </p:nvSpPr>
+        <p:spPr>
+          <a:xfrm>
+            <a:off x="3282950" y="3034292"/>
+            <a:ext cx="1828800" cy="457200"/>
+          </a:xfrm>
+          <a:prstGeom prst="roundRect">
+            <a:avLst/>
+          </a:prstGeom>
+        </p:spPr>
+        <p:style>
+          <a:lnRef idx="2">
+            <a:schemeClr val="accent1">
+              <a:shade val="50000"/>
+            </a:schemeClr>
+          </a:lnRef>
+          <a:fillRef idx="1">
+            <a:schemeClr val="accent1"/>
+          </a:fillRef>
+          <a:effectRef idx="0">
+            <a:schemeClr val="accent1"/>
+          </a:effectRef>
+          <a:fontRef idx="minor">
+            <a:schemeClr val="lt1"/>
+          </a:fontRef>
+        </p:style>
+        <p:txBody>
+          <a:bodyPr rtlCol="0" anchor="ctr"/>
+          <a:lstStyle/>
+          <a:p>
+            <a:pPr algn="ctr"/>
+            <a:r>
+              <a:rPr lang="en-US" sz="1200" b="1" dirty="0" err="1"/>
+              <a:t>wrangle_SU-SI_DuplicatesNewData.R</a:t>
+            </a:r>
+            <a:endParaRPr lang="en-US" sz="1200" b="1" dirty="0"/>
+          </a:p>
+        </p:txBody>
+      </p:sp>
+      <p:sp>
+        <p:nvSpPr>
+          <p:cNvPr id="15" name="Rectangle: Rounded Corners 14">
+            <a:extLst>
+              <a:ext uri="{FF2B5EF4-FFF2-40B4-BE49-F238E27FC236}">
+                <a16:creationId xmlns:a16="http://schemas.microsoft.com/office/drawing/2014/main" id="{D4E87A1D-6DA3-D7B4-187C-F8D08F6EF6F6}"/>
+              </a:ext>
+            </a:extLst>
+          </p:cNvPr>
+          <p:cNvSpPr/>
+          <p:nvPr/>
+        </p:nvSpPr>
+        <p:spPr>
+          <a:xfrm>
+            <a:off x="3251200" y="6099902"/>
+            <a:ext cx="1892300" cy="457200"/>
+          </a:xfrm>
+          <a:prstGeom prst="roundRect">
+            <a:avLst/>
+          </a:prstGeom>
+        </p:spPr>
+        <p:style>
+          <a:lnRef idx="2">
+            <a:schemeClr val="accent1">
+              <a:shade val="50000"/>
+            </a:schemeClr>
+          </a:lnRef>
+          <a:fillRef idx="1">
+            <a:schemeClr val="accent1"/>
+          </a:fillRef>
+          <a:effectRef idx="0">
+            <a:schemeClr val="accent1"/>
+          </a:effectRef>
+          <a:fontRef idx="minor">
+            <a:schemeClr val="lt1"/>
+          </a:fontRef>
+        </p:style>
+        <p:txBody>
+          <a:bodyPr rtlCol="0" anchor="ctr"/>
+          <a:lstStyle/>
+          <a:p>
+            <a:pPr algn="ctr"/>
+            <a:r>
+              <a:rPr lang="en-US" sz="1200" dirty="0" err="1"/>
+              <a:t>distance_calculations_mpa.R</a:t>
+            </a:r>
+            <a:endParaRPr lang="en-US" sz="1200" dirty="0"/>
+          </a:p>
+        </p:txBody>
+      </p:sp>
+      <p:sp>
+        <p:nvSpPr>
+          <p:cNvPr id="16" name="Rectangle: Rounded Corners 15">
+            <a:extLst>
+              <a:ext uri="{FF2B5EF4-FFF2-40B4-BE49-F238E27FC236}">
+                <a16:creationId xmlns:a16="http://schemas.microsoft.com/office/drawing/2014/main" id="{E23CA4BF-9220-9927-503F-1EFB97CD8D06}"/>
+              </a:ext>
+            </a:extLst>
+          </p:cNvPr>
+          <p:cNvSpPr/>
+          <p:nvPr/>
+        </p:nvSpPr>
+        <p:spPr>
+          <a:xfrm>
+            <a:off x="3282950" y="7632707"/>
+            <a:ext cx="1828800" cy="457200"/>
+          </a:xfrm>
+          <a:prstGeom prst="roundRect">
+            <a:avLst/>
+          </a:prstGeom>
+        </p:spPr>
+        <p:style>
+          <a:lnRef idx="2">
+            <a:schemeClr val="accent1">
+              <a:shade val="50000"/>
+            </a:schemeClr>
+          </a:lnRef>
+          <a:fillRef idx="1">
+            <a:schemeClr val="accent1"/>
+          </a:fillRef>
+          <a:effectRef idx="0">
+            <a:schemeClr val="accent1"/>
+          </a:effectRef>
+          <a:fontRef idx="minor">
+            <a:schemeClr val="lt1"/>
+          </a:fontRef>
+        </p:style>
+        <p:txBody>
+          <a:bodyPr rtlCol="0" anchor="ctr"/>
+          <a:lstStyle/>
+          <a:p>
+            <a:pPr algn="ctr"/>
+            <a:r>
+              <a:rPr lang="en-US" sz="1200" dirty="0" err="1"/>
+              <a:t>visualize_pca_mpa_influence.R</a:t>
+            </a:r>
+            <a:endParaRPr lang="en-US" sz="1200" dirty="0"/>
+          </a:p>
+        </p:txBody>
+      </p:sp>
+      <p:sp>
+        <p:nvSpPr>
+          <p:cNvPr id="18" name="Rectangle: Rounded Corners 17">
+            <a:extLst>
+              <a:ext uri="{FF2B5EF4-FFF2-40B4-BE49-F238E27FC236}">
+                <a16:creationId xmlns:a16="http://schemas.microsoft.com/office/drawing/2014/main" id="{FABC03AE-12A2-2BAC-2B49-3A95CC3CC8F5}"/>
+              </a:ext>
+            </a:extLst>
+          </p:cNvPr>
+          <p:cNvSpPr/>
+          <p:nvPr/>
+        </p:nvSpPr>
+        <p:spPr>
+          <a:xfrm>
+            <a:off x="16704" y="1501487"/>
+            <a:ext cx="3225800" cy="228600"/>
+          </a:xfrm>
+          <a:prstGeom prst="roundRect">
+            <a:avLst/>
+          </a:prstGeom>
+        </p:spPr>
+        <p:style>
+          <a:lnRef idx="2">
+            <a:schemeClr val="accent2">
+              <a:shade val="50000"/>
+            </a:schemeClr>
+          </a:lnRef>
+          <a:fillRef idx="1">
+            <a:schemeClr val="accent2"/>
+          </a:fillRef>
+          <a:effectRef idx="0">
+            <a:schemeClr val="accent2"/>
+          </a:effectRef>
+          <a:fontRef idx="minor">
+            <a:schemeClr val="lt1"/>
+          </a:fontRef>
+        </p:style>
+        <p:txBody>
+          <a:bodyPr rtlCol="0" anchor="ctr"/>
+          <a:lstStyle/>
+          <a:p>
+            <a:pPr algn="ctr"/>
+            <a:r>
+              <a:rPr lang="en-US" sz="1200" b="1" dirty="0"/>
+              <a:t>../SI/</a:t>
+            </a:r>
+            <a:r>
+              <a:rPr lang="en-US" sz="1200" b="1" dirty="0" err="1"/>
+              <a:t>Collections_Data</a:t>
+            </a:r>
+            <a:r>
+              <a:rPr lang="en-US" sz="1200" b="1" dirty="0"/>
+              <a:t>/*.csv</a:t>
+            </a:r>
+          </a:p>
+        </p:txBody>
+      </p:sp>
+      <p:sp>
+        <p:nvSpPr>
+          <p:cNvPr id="19" name="Rectangle: Rounded Corners 18">
+            <a:extLst>
+              <a:ext uri="{FF2B5EF4-FFF2-40B4-BE49-F238E27FC236}">
+                <a16:creationId xmlns:a16="http://schemas.microsoft.com/office/drawing/2014/main" id="{229E2602-BAB5-0F62-0CAC-E3B6D6634A0A}"/>
+              </a:ext>
+            </a:extLst>
+          </p:cNvPr>
+          <p:cNvSpPr/>
+          <p:nvPr/>
+        </p:nvSpPr>
+        <p:spPr>
+          <a:xfrm>
+            <a:off x="16704" y="1854716"/>
+            <a:ext cx="3225800" cy="228600"/>
+          </a:xfrm>
+          <a:prstGeom prst="roundRect">
+            <a:avLst/>
+          </a:prstGeom>
+        </p:spPr>
+        <p:style>
+          <a:lnRef idx="2">
+            <a:schemeClr val="accent2">
+              <a:shade val="50000"/>
+            </a:schemeClr>
+          </a:lnRef>
+          <a:fillRef idx="1">
+            <a:schemeClr val="accent2"/>
+          </a:fillRef>
+          <a:effectRef idx="0">
+            <a:schemeClr val="accent2"/>
+          </a:effectRef>
+          <a:fontRef idx="minor">
+            <a:schemeClr val="lt1"/>
+          </a:fontRef>
+        </p:style>
+        <p:txBody>
+          <a:bodyPr rtlCol="0" anchor="ctr"/>
+          <a:lstStyle/>
+          <a:p>
+            <a:pPr algn="ctr"/>
+            <a:r>
+              <a:rPr lang="en-US" sz="1200" b="1"/>
+              <a:t>../SI/Coordinates/Coordinate_Conversions.xlsx</a:t>
+            </a:r>
+          </a:p>
+        </p:txBody>
+      </p:sp>
+      <p:sp>
+        <p:nvSpPr>
+          <p:cNvPr id="20" name="Rectangle: Rounded Corners 19">
+            <a:extLst>
+              <a:ext uri="{FF2B5EF4-FFF2-40B4-BE49-F238E27FC236}">
+                <a16:creationId xmlns:a16="http://schemas.microsoft.com/office/drawing/2014/main" id="{8DA460A6-1004-E5DA-AD23-3EB36320975D}"/>
+              </a:ext>
+            </a:extLst>
+          </p:cNvPr>
+          <p:cNvSpPr/>
+          <p:nvPr/>
+        </p:nvSpPr>
+        <p:spPr>
+          <a:xfrm>
+            <a:off x="16704" y="2207945"/>
+            <a:ext cx="3225800" cy="228600"/>
+          </a:xfrm>
+          <a:prstGeom prst="roundRect">
+            <a:avLst/>
+          </a:prstGeom>
+        </p:spPr>
+        <p:style>
+          <a:lnRef idx="2">
+            <a:schemeClr val="accent2">
+              <a:shade val="50000"/>
+            </a:schemeClr>
+          </a:lnRef>
+          <a:fillRef idx="1">
+            <a:schemeClr val="accent2"/>
+          </a:fillRef>
+          <a:effectRef idx="0">
+            <a:schemeClr val="accent2"/>
+          </a:effectRef>
+          <a:fontRef idx="minor">
+            <a:schemeClr val="lt1"/>
+          </a:fontRef>
+        </p:style>
+        <p:txBody>
+          <a:bodyPr rtlCol="0" anchor="ctr"/>
+          <a:lstStyle/>
+          <a:p>
+            <a:pPr algn="ctr"/>
+            <a:r>
+              <a:rPr lang="en-US" sz="1200" b="1" dirty="0"/>
+              <a:t>../data/station_info.xlsx</a:t>
+            </a:r>
+          </a:p>
+        </p:txBody>
+      </p:sp>
+      <p:sp>
+        <p:nvSpPr>
+          <p:cNvPr id="21" name="Rectangle: Rounded Corners 20">
+            <a:extLst>
+              <a:ext uri="{FF2B5EF4-FFF2-40B4-BE49-F238E27FC236}">
+                <a16:creationId xmlns:a16="http://schemas.microsoft.com/office/drawing/2014/main" id="{ECE076C8-C808-017A-8E5D-95DB44CAF9FD}"/>
+              </a:ext>
+            </a:extLst>
+          </p:cNvPr>
+          <p:cNvSpPr/>
+          <p:nvPr/>
+        </p:nvSpPr>
+        <p:spPr>
+          <a:xfrm>
+            <a:off x="16704" y="2561175"/>
+            <a:ext cx="3225800" cy="228600"/>
+          </a:xfrm>
+          <a:prstGeom prst="roundRect">
+            <a:avLst/>
+          </a:prstGeom>
+        </p:spPr>
+        <p:style>
+          <a:lnRef idx="2">
+            <a:schemeClr val="accent2">
+              <a:shade val="50000"/>
+            </a:schemeClr>
+          </a:lnRef>
+          <a:fillRef idx="1">
+            <a:schemeClr val="accent2"/>
+          </a:fillRef>
+          <a:effectRef idx="0">
+            <a:schemeClr val="accent2"/>
+          </a:effectRef>
+          <a:fontRef idx="minor">
+            <a:schemeClr val="lt1"/>
+          </a:fontRef>
+        </p:style>
+        <p:txBody>
+          <a:bodyPr rtlCol="0" anchor="ctr"/>
+          <a:lstStyle/>
+          <a:p>
+            <a:pPr algn="ctr"/>
+            <a:r>
+              <a:rPr lang="en-US" sz="1200" b="1" dirty="0"/>
+              <a:t>../data/All_confirmed_names.xlsx</a:t>
+            </a:r>
+          </a:p>
+        </p:txBody>
+      </p:sp>
+      <p:sp>
+        <p:nvSpPr>
+          <p:cNvPr id="2" name="TextBox 1">
+            <a:extLst>
+              <a:ext uri="{FF2B5EF4-FFF2-40B4-BE49-F238E27FC236}">
+                <a16:creationId xmlns:a16="http://schemas.microsoft.com/office/drawing/2014/main" id="{65889B7A-55FF-80CA-8147-3FEEBCBBD354}"/>
+              </a:ext>
+            </a:extLst>
+          </p:cNvPr>
+          <p:cNvSpPr txBox="1"/>
+          <p:nvPr/>
+        </p:nvSpPr>
+        <p:spPr>
+          <a:xfrm>
+            <a:off x="3643352" y="1087352"/>
+            <a:ext cx="1107996" cy="461665"/>
+          </a:xfrm>
+          <a:prstGeom prst="rect">
+            <a:avLst/>
+          </a:prstGeom>
+          <a:noFill/>
+        </p:spPr>
+        <p:txBody>
+          <a:bodyPr wrap="none" rtlCol="0">
+            <a:spAutoFit/>
+          </a:bodyPr>
+          <a:lstStyle/>
+          <a:p>
+            <a:r>
+              <a:rPr lang="en-US" sz="2400" dirty="0"/>
+              <a:t>SCRIPT	</a:t>
+            </a:r>
+          </a:p>
+        </p:txBody>
+      </p:sp>
+      <p:sp>
+        <p:nvSpPr>
+          <p:cNvPr id="3" name="Rectangle: Rounded Corners 2">
+            <a:extLst>
+              <a:ext uri="{FF2B5EF4-FFF2-40B4-BE49-F238E27FC236}">
+                <a16:creationId xmlns:a16="http://schemas.microsoft.com/office/drawing/2014/main" id="{25890449-4B5F-9803-75FD-1FD83763495C}"/>
+              </a:ext>
+            </a:extLst>
+          </p:cNvPr>
+          <p:cNvSpPr/>
+          <p:nvPr/>
+        </p:nvSpPr>
+        <p:spPr>
+          <a:xfrm>
+            <a:off x="5152196" y="1501487"/>
+            <a:ext cx="2603500" cy="228600"/>
+          </a:xfrm>
+          <a:prstGeom prst="roundRect">
+            <a:avLst/>
+          </a:prstGeom>
+        </p:spPr>
+        <p:style>
+          <a:lnRef idx="2">
+            <a:schemeClr val="accent6">
+              <a:shade val="50000"/>
+            </a:schemeClr>
+          </a:lnRef>
+          <a:fillRef idx="1">
+            <a:schemeClr val="accent6"/>
+          </a:fillRef>
+          <a:effectRef idx="0">
+            <a:schemeClr val="accent6"/>
+          </a:effectRef>
+          <a:fontRef idx="minor">
+            <a:schemeClr val="lt1"/>
+          </a:fontRef>
+        </p:style>
+        <p:txBody>
+          <a:bodyPr rtlCol="0" anchor="ctr"/>
+          <a:lstStyle/>
+          <a:p>
+            <a:pPr algn="ctr"/>
+            <a:r>
+              <a:rPr lang="en-US" sz="1200" dirty="0" err="1"/>
+              <a:t>data_cas_si_su</a:t>
+            </a:r>
+            <a:endParaRPr lang="en-US" sz="1200" dirty="0"/>
+          </a:p>
+        </p:txBody>
+      </p:sp>
+      <p:sp>
+        <p:nvSpPr>
+          <p:cNvPr id="4" name="TextBox 3">
+            <a:extLst>
+              <a:ext uri="{FF2B5EF4-FFF2-40B4-BE49-F238E27FC236}">
+                <a16:creationId xmlns:a16="http://schemas.microsoft.com/office/drawing/2014/main" id="{0109E3E0-7269-924F-A5B5-C68C5B80EBE6}"/>
+              </a:ext>
+            </a:extLst>
+          </p:cNvPr>
+          <p:cNvSpPr txBox="1"/>
+          <p:nvPr/>
+        </p:nvSpPr>
+        <p:spPr>
+          <a:xfrm>
+            <a:off x="6057605" y="1087284"/>
+            <a:ext cx="1242648" cy="461665"/>
+          </a:xfrm>
+          <a:prstGeom prst="rect">
+            <a:avLst/>
+          </a:prstGeom>
+          <a:noFill/>
+        </p:spPr>
+        <p:txBody>
+          <a:bodyPr wrap="none" rtlCol="0">
+            <a:spAutoFit/>
+          </a:bodyPr>
+          <a:lstStyle/>
+          <a:p>
+            <a:r>
+              <a:rPr lang="en-US" sz="2400" dirty="0"/>
+              <a:t>OUTPUT</a:t>
+            </a:r>
+          </a:p>
+        </p:txBody>
+      </p:sp>
+      <p:sp>
+        <p:nvSpPr>
+          <p:cNvPr id="5" name="TextBox 4">
+            <a:extLst>
+              <a:ext uri="{FF2B5EF4-FFF2-40B4-BE49-F238E27FC236}">
+                <a16:creationId xmlns:a16="http://schemas.microsoft.com/office/drawing/2014/main" id="{3C7693B8-B001-51BA-D2C7-85B261581FC5}"/>
+              </a:ext>
+            </a:extLst>
+          </p:cNvPr>
+          <p:cNvSpPr txBox="1"/>
+          <p:nvPr/>
+        </p:nvSpPr>
+        <p:spPr>
+          <a:xfrm>
+            <a:off x="922113" y="1083072"/>
+            <a:ext cx="1107996" cy="461665"/>
+          </a:xfrm>
+          <a:prstGeom prst="rect">
+            <a:avLst/>
+          </a:prstGeom>
+          <a:noFill/>
+        </p:spPr>
+        <p:txBody>
+          <a:bodyPr wrap="none" rtlCol="0">
+            <a:spAutoFit/>
+          </a:bodyPr>
+          <a:lstStyle/>
+          <a:p>
+            <a:r>
+              <a:rPr lang="en-US" sz="2400" dirty="0"/>
+              <a:t>INPUT	</a:t>
+            </a:r>
+          </a:p>
+        </p:txBody>
+      </p:sp>
+      <p:sp>
+        <p:nvSpPr>
+          <p:cNvPr id="6" name="Rectangle: Rounded Corners 5">
+            <a:extLst>
+              <a:ext uri="{FF2B5EF4-FFF2-40B4-BE49-F238E27FC236}">
+                <a16:creationId xmlns:a16="http://schemas.microsoft.com/office/drawing/2014/main" id="{1D117679-AF19-B7F6-2C3C-7F01E25307D0}"/>
+              </a:ext>
+            </a:extLst>
+          </p:cNvPr>
+          <p:cNvSpPr/>
+          <p:nvPr/>
+        </p:nvSpPr>
+        <p:spPr>
+          <a:xfrm>
+            <a:off x="5152196" y="5447799"/>
+            <a:ext cx="2603500" cy="228600"/>
+          </a:xfrm>
+          <a:prstGeom prst="roundRect">
+            <a:avLst/>
+          </a:prstGeom>
+        </p:spPr>
+        <p:style>
+          <a:lnRef idx="2">
+            <a:schemeClr val="accent6">
+              <a:shade val="50000"/>
+            </a:schemeClr>
+          </a:lnRef>
+          <a:fillRef idx="1">
+            <a:schemeClr val="accent6"/>
+          </a:fillRef>
+          <a:effectRef idx="0">
+            <a:schemeClr val="accent6"/>
+          </a:effectRef>
+          <a:fontRef idx="minor">
+            <a:schemeClr val="lt1"/>
+          </a:fontRef>
+        </p:style>
+        <p:txBody>
+          <a:bodyPr rtlCol="0" anchor="ctr"/>
+          <a:lstStyle/>
+          <a:p>
+            <a:pPr algn="ctr"/>
+            <a:r>
+              <a:rPr lang="en-US" sz="1200" dirty="0" err="1"/>
+              <a:t>data_cas_si_su_mpa</a:t>
+            </a:r>
+            <a:endParaRPr lang="en-US" sz="1200" dirty="0"/>
+          </a:p>
+        </p:txBody>
+      </p:sp>
+      <p:sp>
+        <p:nvSpPr>
+          <p:cNvPr id="7" name="Rectangle: Rounded Corners 6">
+            <a:extLst>
+              <a:ext uri="{FF2B5EF4-FFF2-40B4-BE49-F238E27FC236}">
+                <a16:creationId xmlns:a16="http://schemas.microsoft.com/office/drawing/2014/main" id="{E6D3A291-0D90-BA73-2F22-A04435859284}"/>
+              </a:ext>
+            </a:extLst>
+          </p:cNvPr>
+          <p:cNvSpPr/>
+          <p:nvPr/>
+        </p:nvSpPr>
+        <p:spPr>
+          <a:xfrm>
+            <a:off x="5143500" y="9394110"/>
+            <a:ext cx="2603500" cy="228600"/>
+          </a:xfrm>
+          <a:prstGeom prst="roundRect">
+            <a:avLst/>
+          </a:prstGeom>
+        </p:spPr>
+        <p:style>
+          <a:lnRef idx="2">
+            <a:schemeClr val="accent6">
+              <a:shade val="50000"/>
+            </a:schemeClr>
+          </a:lnRef>
+          <a:fillRef idx="1">
+            <a:schemeClr val="accent6"/>
+          </a:fillRef>
+          <a:effectRef idx="0">
+            <a:schemeClr val="accent6"/>
+          </a:effectRef>
+          <a:fontRef idx="minor">
+            <a:schemeClr val="lt1"/>
+          </a:fontRef>
+        </p:style>
+        <p:txBody>
+          <a:bodyPr rtlCol="0" anchor="ctr"/>
+          <a:lstStyle/>
+          <a:p>
+            <a:pPr algn="ctr"/>
+            <a:r>
+              <a:rPr lang="en-US" sz="1200" dirty="0" err="1"/>
+              <a:t>data_cas_si_su_mpa_pop</a:t>
+            </a:r>
+            <a:endParaRPr lang="en-US" sz="1200" dirty="0"/>
+          </a:p>
+        </p:txBody>
+      </p:sp>
+      <p:sp>
+        <p:nvSpPr>
+          <p:cNvPr id="8" name="Rectangle: Rounded Corners 7">
+            <a:extLst>
+              <a:ext uri="{FF2B5EF4-FFF2-40B4-BE49-F238E27FC236}">
+                <a16:creationId xmlns:a16="http://schemas.microsoft.com/office/drawing/2014/main" id="{5F537EEE-F86B-B288-A5BC-AC3C9B1ECAEB}"/>
+              </a:ext>
+            </a:extLst>
+          </p:cNvPr>
+          <p:cNvSpPr/>
+          <p:nvPr/>
+        </p:nvSpPr>
+        <p:spPr>
+          <a:xfrm>
+            <a:off x="16704" y="3028699"/>
+            <a:ext cx="3225800" cy="228600"/>
+          </a:xfrm>
+          <a:prstGeom prst="roundRect">
+            <a:avLst/>
+          </a:prstGeom>
+        </p:spPr>
+        <p:style>
+          <a:lnRef idx="2">
+            <a:schemeClr val="accent2">
+              <a:shade val="50000"/>
+            </a:schemeClr>
+          </a:lnRef>
+          <a:fillRef idx="1">
+            <a:schemeClr val="accent2"/>
+          </a:fillRef>
+          <a:effectRef idx="0">
+            <a:schemeClr val="accent2"/>
+          </a:effectRef>
+          <a:fontRef idx="minor">
+            <a:schemeClr val="lt1"/>
+          </a:fontRef>
+        </p:style>
+        <p:txBody>
+          <a:bodyPr rtlCol="0" anchor="ctr"/>
+          <a:lstStyle/>
+          <a:p>
+            <a:pPr algn="ctr"/>
+            <a:r>
+              <a:rPr lang="en-US" sz="1200" b="1" dirty="0"/>
+              <a:t>../data/SU-SI_Duplicates_20220808.xlsx</a:t>
+            </a:r>
+          </a:p>
+        </p:txBody>
+      </p:sp>
+      <p:sp>
+        <p:nvSpPr>
+          <p:cNvPr id="9" name="Rectangle: Rounded Corners 8">
+            <a:extLst>
+              <a:ext uri="{FF2B5EF4-FFF2-40B4-BE49-F238E27FC236}">
+                <a16:creationId xmlns:a16="http://schemas.microsoft.com/office/drawing/2014/main" id="{0BAD4348-312F-5288-3407-A5ABCB5ED92E}"/>
+              </a:ext>
+            </a:extLst>
+          </p:cNvPr>
+          <p:cNvSpPr/>
+          <p:nvPr/>
+        </p:nvSpPr>
+        <p:spPr>
+          <a:xfrm>
+            <a:off x="16704" y="3354751"/>
+            <a:ext cx="3225800" cy="228600"/>
+          </a:xfrm>
+          <a:prstGeom prst="roundRect">
+            <a:avLst/>
+          </a:prstGeom>
+        </p:spPr>
+        <p:style>
+          <a:lnRef idx="2">
+            <a:schemeClr val="accent2">
+              <a:shade val="50000"/>
+            </a:schemeClr>
+          </a:lnRef>
+          <a:fillRef idx="1">
+            <a:schemeClr val="accent2"/>
+          </a:fillRef>
+          <a:effectRef idx="0">
+            <a:schemeClr val="accent2"/>
+          </a:effectRef>
+          <a:fontRef idx="minor">
+            <a:schemeClr val="lt1"/>
+          </a:fontRef>
+        </p:style>
+        <p:txBody>
+          <a:bodyPr rtlCol="0" anchor="ctr"/>
+          <a:lstStyle/>
+          <a:p>
+            <a:pPr algn="ctr"/>
+            <a:r>
+              <a:rPr lang="en-US" sz="1200" b="1" dirty="0"/>
+              <a:t>../data/All_confirmed_names.xlsx</a:t>
+            </a:r>
+          </a:p>
+        </p:txBody>
+      </p:sp>
+      <p:sp>
+        <p:nvSpPr>
+          <p:cNvPr id="17" name="Rectangle: Rounded Corners 16">
+            <a:extLst>
+              <a:ext uri="{FF2B5EF4-FFF2-40B4-BE49-F238E27FC236}">
+                <a16:creationId xmlns:a16="http://schemas.microsoft.com/office/drawing/2014/main" id="{F49F1137-02C7-212B-A3BD-849A13FDD128}"/>
+              </a:ext>
+            </a:extLst>
+          </p:cNvPr>
+          <p:cNvSpPr/>
+          <p:nvPr/>
+        </p:nvSpPr>
+        <p:spPr>
+          <a:xfrm>
+            <a:off x="16704" y="3730416"/>
+            <a:ext cx="3225800" cy="228600"/>
+          </a:xfrm>
+          <a:prstGeom prst="roundRect">
+            <a:avLst/>
+          </a:prstGeom>
+        </p:spPr>
+        <p:style>
+          <a:lnRef idx="2">
+            <a:schemeClr val="accent2">
+              <a:shade val="50000"/>
+            </a:schemeClr>
+          </a:lnRef>
+          <a:fillRef idx="1">
+            <a:schemeClr val="accent2"/>
+          </a:fillRef>
+          <a:effectRef idx="0">
+            <a:schemeClr val="accent2"/>
+          </a:effectRef>
+          <a:fontRef idx="minor">
+            <a:schemeClr val="lt1"/>
+          </a:fontRef>
+        </p:style>
+        <p:txBody>
+          <a:bodyPr rtlCol="0" anchor="ctr"/>
+          <a:lstStyle/>
+          <a:p>
+            <a:pPr algn="ctr"/>
+            <a:r>
+              <a:rPr lang="en-US" sz="1200" b="1" dirty="0"/>
+              <a:t>../data/All_confirmed_names.xlsx</a:t>
+            </a:r>
+          </a:p>
+        </p:txBody>
+      </p:sp>
+    </p:spTree>
+    <p:extLst>
+      <p:ext uri="{BB962C8B-B14F-4D97-AF65-F5344CB8AC3E}">
+        <p14:creationId xmlns:p14="http://schemas.microsoft.com/office/powerpoint/2010/main" val="12947292"/>
+      </p:ext>
+    </p:extLst>
+  </p:cSld>
+  <p:clrMapOvr>
+    <a:masterClrMapping/>
+  </p:clrMapOvr>
+</p:sld>
+</file>
+
+<file path=ppt/slides/slide6.xml><?xml version="1.0" encoding="utf-8"?>
+<p:sld xmlns:a="http://schemas.openxmlformats.org/drawingml/2006/main" xmlns:r="http://schemas.openxmlformats.org/officeDocument/2006/relationships" xmlns:p="http://schemas.openxmlformats.org/presentationml/2006/main">
+  <p:cSld>
+    <p:spTree>
+      <p:nvGrpSpPr>
+        <p:cNvPr id="1" name=""/>
+        <p:cNvGrpSpPr/>
+        <p:nvPr/>
+      </p:nvGrpSpPr>
+      <p:grpSpPr>
+        <a:xfrm>
+          <a:off x="0" y="0"/>
+          <a:ext cx="0" cy="0"/>
+          <a:chOff x="0" y="0"/>
+          <a:chExt cx="0" cy="0"/>
+        </a:xfrm>
+      </p:grpSpPr>
+      <p:sp>
+        <p:nvSpPr>
           <p:cNvPr id="2" name="Title 1">
             <a:extLst>
               <a:ext uri="{FF2B5EF4-FFF2-40B4-BE49-F238E27FC236}">
@@ -4825,7 +6594,7 @@
 </p:sld>
 </file>
 
-<file path=ppt/slides/slide5.xml><?xml version="1.0" encoding="utf-8"?>
+<file path=ppt/slides/slide7.xml><?xml version="1.0" encoding="utf-8"?>
 <p:sld xmlns:a="http://schemas.openxmlformats.org/drawingml/2006/main" xmlns:r="http://schemas.openxmlformats.org/officeDocument/2006/relationships" xmlns:p="http://schemas.openxmlformats.org/presentationml/2006/main">
   <p:cSld>
     <p:spTree>

--- a/scripts/flowchart_scripts.pptx
+++ b/scripts/flowchart_scripts.pptx
@@ -249,7 +249,7 @@
           <a:p>
             <a:fld id="{F061670A-77DF-43D8-9A1C-6CBADEEB7971}" type="datetimeFigureOut">
               <a:rPr lang="en-US" smtClean="0"/>
-              <a:t>6/16/2023</a:t>
+              <a:t>3/19/2024</a:t>
             </a:fld>
             <a:endParaRPr lang="en-US"/>
           </a:p>
@@ -419,7 +419,7 @@
           <a:p>
             <a:fld id="{F061670A-77DF-43D8-9A1C-6CBADEEB7971}" type="datetimeFigureOut">
               <a:rPr lang="en-US" smtClean="0"/>
-              <a:t>6/16/2023</a:t>
+              <a:t>3/19/2024</a:t>
             </a:fld>
             <a:endParaRPr lang="en-US"/>
           </a:p>
@@ -599,7 +599,7 @@
           <a:p>
             <a:fld id="{F061670A-77DF-43D8-9A1C-6CBADEEB7971}" type="datetimeFigureOut">
               <a:rPr lang="en-US" smtClean="0"/>
-              <a:t>6/16/2023</a:t>
+              <a:t>3/19/2024</a:t>
             </a:fld>
             <a:endParaRPr lang="en-US"/>
           </a:p>
@@ -769,7 +769,7 @@
           <a:p>
             <a:fld id="{F061670A-77DF-43D8-9A1C-6CBADEEB7971}" type="datetimeFigureOut">
               <a:rPr lang="en-US" smtClean="0"/>
-              <a:t>6/16/2023</a:t>
+              <a:t>3/19/2024</a:t>
             </a:fld>
             <a:endParaRPr lang="en-US"/>
           </a:p>
@@ -1013,7 +1013,7 @@
           <a:p>
             <a:fld id="{F061670A-77DF-43D8-9A1C-6CBADEEB7971}" type="datetimeFigureOut">
               <a:rPr lang="en-US" smtClean="0"/>
-              <a:t>6/16/2023</a:t>
+              <a:t>3/19/2024</a:t>
             </a:fld>
             <a:endParaRPr lang="en-US"/>
           </a:p>
@@ -1245,7 +1245,7 @@
           <a:p>
             <a:fld id="{F061670A-77DF-43D8-9A1C-6CBADEEB7971}" type="datetimeFigureOut">
               <a:rPr lang="en-US" smtClean="0"/>
-              <a:t>6/16/2023</a:t>
+              <a:t>3/19/2024</a:t>
             </a:fld>
             <a:endParaRPr lang="en-US"/>
           </a:p>
@@ -1612,7 +1612,7 @@
           <a:p>
             <a:fld id="{F061670A-77DF-43D8-9A1C-6CBADEEB7971}" type="datetimeFigureOut">
               <a:rPr lang="en-US" smtClean="0"/>
-              <a:t>6/16/2023</a:t>
+              <a:t>3/19/2024</a:t>
             </a:fld>
             <a:endParaRPr lang="en-US"/>
           </a:p>
@@ -1730,7 +1730,7 @@
           <a:p>
             <a:fld id="{F061670A-77DF-43D8-9A1C-6CBADEEB7971}" type="datetimeFigureOut">
               <a:rPr lang="en-US" smtClean="0"/>
-              <a:t>6/16/2023</a:t>
+              <a:t>3/19/2024</a:t>
             </a:fld>
             <a:endParaRPr lang="en-US"/>
           </a:p>
@@ -1825,7 +1825,7 @@
           <a:p>
             <a:fld id="{F061670A-77DF-43D8-9A1C-6CBADEEB7971}" type="datetimeFigureOut">
               <a:rPr lang="en-US" smtClean="0"/>
-              <a:t>6/16/2023</a:t>
+              <a:t>3/19/2024</a:t>
             </a:fld>
             <a:endParaRPr lang="en-US"/>
           </a:p>
@@ -2102,7 +2102,7 @@
           <a:p>
             <a:fld id="{F061670A-77DF-43D8-9A1C-6CBADEEB7971}" type="datetimeFigureOut">
               <a:rPr lang="en-US" smtClean="0"/>
-              <a:t>6/16/2023</a:t>
+              <a:t>3/19/2024</a:t>
             </a:fld>
             <a:endParaRPr lang="en-US"/>
           </a:p>
@@ -2359,7 +2359,7 @@
           <a:p>
             <a:fld id="{F061670A-77DF-43D8-9A1C-6CBADEEB7971}" type="datetimeFigureOut">
               <a:rPr lang="en-US" smtClean="0"/>
-              <a:t>6/16/2023</a:t>
+              <a:t>3/19/2024</a:t>
             </a:fld>
             <a:endParaRPr lang="en-US"/>
           </a:p>
@@ -2572,7 +2572,7 @@
           <a:p>
             <a:fld id="{F061670A-77DF-43D8-9A1C-6CBADEEB7971}" type="datetimeFigureOut">
               <a:rPr lang="en-US" smtClean="0"/>
-              <a:t>6/16/2023</a:t>
+              <a:t>3/19/2024</a:t>
             </a:fld>
             <a:endParaRPr lang="en-US"/>
           </a:p>
@@ -2998,7 +2998,10 @@
           <a:bodyPr/>
           <a:lstStyle/>
           <a:p>
-            <a:endParaRPr lang="en-US"/>
+            <a:r>
+              <a:rPr lang="en-US" dirty="0"/>
+              <a:t>Fish Biodiversity Database of Rotenone Stations</a:t>
+            </a:r>
           </a:p>
         </p:txBody>
       </p:sp>
@@ -3023,7 +3026,10 @@
           <a:bodyPr/>
           <a:lstStyle/>
           <a:p>
-            <a:endParaRPr lang="en-US"/>
+            <a:r>
+              <a:rPr lang="en-US" dirty="0"/>
+              <a:t>Flowchart of input, scripts, output</a:t>
+            </a:r>
           </a:p>
         </p:txBody>
       </p:sp>
@@ -3041,7 +3047,7 @@
         </p:nvSpPr>
         <p:spPr>
           <a:xfrm>
-            <a:off x="971550" y="8129392"/>
+            <a:off x="3084768" y="8360182"/>
             <a:ext cx="1433447" cy="776613"/>
           </a:xfrm>
           <a:prstGeom prst="roundRect">
@@ -3071,7 +3077,7 @@
             <a:pPr algn="ctr"/>
             <a:r>
               <a:rPr lang="en-US" dirty="0"/>
-              <a:t>SCRIPT</a:t>
+              <a:t>Script</a:t>
             </a:r>
           </a:p>
         </p:txBody>
@@ -3090,7 +3096,7 @@
         </p:nvSpPr>
         <p:spPr>
           <a:xfrm>
-            <a:off x="2965276" y="8129391"/>
+            <a:off x="971551" y="8360182"/>
             <a:ext cx="1433447" cy="776613"/>
           </a:xfrm>
           <a:prstGeom prst="roundRect">
@@ -3120,7 +3126,7 @@
             <a:pPr algn="ctr"/>
             <a:r>
               <a:rPr lang="en-US" dirty="0"/>
-              <a:t>FILES</a:t>
+              <a:t>Input</a:t>
             </a:r>
           </a:p>
         </p:txBody>
@@ -3139,7 +3145,7 @@
         </p:nvSpPr>
         <p:spPr>
           <a:xfrm>
-            <a:off x="5222049" y="8129390"/>
+            <a:off x="5197985" y="8360181"/>
             <a:ext cx="1433447" cy="776613"/>
           </a:xfrm>
           <a:prstGeom prst="roundRect">
@@ -3168,10 +3174,9 @@
           <a:p>
             <a:pPr algn="ctr"/>
             <a:r>
-              <a:rPr lang="en-US" dirty="0" err="1"/>
-              <a:t>Dataframe</a:t>
-            </a:r>
-            <a:endParaRPr lang="en-US" dirty="0"/>
+              <a:rPr lang="en-US" dirty="0"/>
+              <a:t>Output</a:t>
+            </a:r>
           </a:p>
         </p:txBody>
       </p:sp>
